--- a/stimuli/stimuli.pptx
+++ b/stimuli/stimuli.pptx
@@ -6,6 +6,9 @@
   </p:sldMasterIdLst>
   <p:sldIdLst>
     <p:sldId id="256" r:id="rId2"/>
+    <p:sldId id="257" r:id="rId3"/>
+    <p:sldId id="258" r:id="rId4"/>
+    <p:sldId id="259" r:id="rId5"/>
   </p:sldIdLst>
   <p:sldSz cx="9144000" cy="6858000" type="screen4x3"/>
   <p:notesSz cx="6858000" cy="9144000"/>
@@ -243,7 +246,7 @@
           <a:p>
             <a:fld id="{9C6EAF7F-79B7-9248-A98C-B8B95B058FDB}" type="datetimeFigureOut">
               <a:rPr lang="en-US" smtClean="0"/>
-              <a:t>6/11/25</a:t>
+              <a:t>6/12/25</a:t>
             </a:fld>
             <a:endParaRPr lang="en-US"/>
           </a:p>
@@ -413,7 +416,7 @@
           <a:p>
             <a:fld id="{9C6EAF7F-79B7-9248-A98C-B8B95B058FDB}" type="datetimeFigureOut">
               <a:rPr lang="en-US" smtClean="0"/>
-              <a:t>6/11/25</a:t>
+              <a:t>6/12/25</a:t>
             </a:fld>
             <a:endParaRPr lang="en-US"/>
           </a:p>
@@ -593,7 +596,7 @@
           <a:p>
             <a:fld id="{9C6EAF7F-79B7-9248-A98C-B8B95B058FDB}" type="datetimeFigureOut">
               <a:rPr lang="en-US" smtClean="0"/>
-              <a:t>6/11/25</a:t>
+              <a:t>6/12/25</a:t>
             </a:fld>
             <a:endParaRPr lang="en-US"/>
           </a:p>
@@ -763,7 +766,7 @@
           <a:p>
             <a:fld id="{9C6EAF7F-79B7-9248-A98C-B8B95B058FDB}" type="datetimeFigureOut">
               <a:rPr lang="en-US" smtClean="0"/>
-              <a:t>6/11/25</a:t>
+              <a:t>6/12/25</a:t>
             </a:fld>
             <a:endParaRPr lang="en-US"/>
           </a:p>
@@ -1009,7 +1012,7 @@
           <a:p>
             <a:fld id="{9C6EAF7F-79B7-9248-A98C-B8B95B058FDB}" type="datetimeFigureOut">
               <a:rPr lang="en-US" smtClean="0"/>
-              <a:t>6/11/25</a:t>
+              <a:t>6/12/25</a:t>
             </a:fld>
             <a:endParaRPr lang="en-US"/>
           </a:p>
@@ -1241,7 +1244,7 @@
           <a:p>
             <a:fld id="{9C6EAF7F-79B7-9248-A98C-B8B95B058FDB}" type="datetimeFigureOut">
               <a:rPr lang="en-US" smtClean="0"/>
-              <a:t>6/11/25</a:t>
+              <a:t>6/12/25</a:t>
             </a:fld>
             <a:endParaRPr lang="en-US"/>
           </a:p>
@@ -1608,7 +1611,7 @@
           <a:p>
             <a:fld id="{9C6EAF7F-79B7-9248-A98C-B8B95B058FDB}" type="datetimeFigureOut">
               <a:rPr lang="en-US" smtClean="0"/>
-              <a:t>6/11/25</a:t>
+              <a:t>6/12/25</a:t>
             </a:fld>
             <a:endParaRPr lang="en-US"/>
           </a:p>
@@ -1726,7 +1729,7 @@
           <a:p>
             <a:fld id="{9C6EAF7F-79B7-9248-A98C-B8B95B058FDB}" type="datetimeFigureOut">
               <a:rPr lang="en-US" smtClean="0"/>
-              <a:t>6/11/25</a:t>
+              <a:t>6/12/25</a:t>
             </a:fld>
             <a:endParaRPr lang="en-US"/>
           </a:p>
@@ -1821,7 +1824,7 @@
           <a:p>
             <a:fld id="{9C6EAF7F-79B7-9248-A98C-B8B95B058FDB}" type="datetimeFigureOut">
               <a:rPr lang="en-US" smtClean="0"/>
-              <a:t>6/11/25</a:t>
+              <a:t>6/12/25</a:t>
             </a:fld>
             <a:endParaRPr lang="en-US"/>
           </a:p>
@@ -2098,7 +2101,7 @@
           <a:p>
             <a:fld id="{9C6EAF7F-79B7-9248-A98C-B8B95B058FDB}" type="datetimeFigureOut">
               <a:rPr lang="en-US" smtClean="0"/>
-              <a:t>6/11/25</a:t>
+              <a:t>6/12/25</a:t>
             </a:fld>
             <a:endParaRPr lang="en-US"/>
           </a:p>
@@ -2355,7 +2358,7 @@
           <a:p>
             <a:fld id="{9C6EAF7F-79B7-9248-A98C-B8B95B058FDB}" type="datetimeFigureOut">
               <a:rPr lang="en-US" smtClean="0"/>
-              <a:t>6/11/25</a:t>
+              <a:t>6/12/25</a:t>
             </a:fld>
             <a:endParaRPr lang="en-US"/>
           </a:p>
@@ -2420,9 +2423,12 @@
 <p:sldMaster xmlns:a="http://schemas.openxmlformats.org/drawingml/2006/main" xmlns:r="http://schemas.openxmlformats.org/officeDocument/2006/relationships" xmlns:p="http://schemas.openxmlformats.org/presentationml/2006/main">
   <p:cSld>
     <p:bg>
-      <p:bgRef idx="1001">
-        <a:schemeClr val="bg1"/>
-      </p:bgRef>
+      <p:bgPr>
+        <a:solidFill>
+          <a:srgbClr val="7F8080"/>
+        </a:solidFill>
+        <a:effectLst/>
+      </p:bgPr>
     </p:bg>
     <p:spTree>
       <p:nvGrpSpPr>
@@ -2568,7 +2574,7 @@
           <a:p>
             <a:fld id="{9C6EAF7F-79B7-9248-A98C-B8B95B058FDB}" type="datetimeFigureOut">
               <a:rPr lang="en-US" smtClean="0"/>
-              <a:t>6/11/25</a:t>
+              <a:t>6/12/25</a:t>
             </a:fld>
             <a:endParaRPr lang="en-US"/>
           </a:p>
@@ -2959,14 +2965,6 @@
 <file path=ppt/slides/slide1.xml><?xml version="1.0" encoding="utf-8"?>
 <p:sld xmlns:a="http://schemas.openxmlformats.org/drawingml/2006/main" xmlns:r="http://schemas.openxmlformats.org/officeDocument/2006/relationships" xmlns:p="http://schemas.openxmlformats.org/presentationml/2006/main">
   <p:cSld>
-    <p:bg>
-      <p:bgPr>
-        <a:solidFill>
-          <a:srgbClr val="7F8080"/>
-        </a:solidFill>
-        <a:effectLst/>
-      </p:bgPr>
-    </p:bg>
     <p:spTree>
       <p:nvGrpSpPr>
         <p:cNvPr id="1" name=""/>
@@ -2995,8 +2993,8 @@
         </p:nvSpPr>
         <p:spPr>
           <a:xfrm>
-            <a:off x="275619" y="305068"/>
-            <a:ext cx="8592761" cy="6247864"/>
+            <a:off x="396218" y="889843"/>
+            <a:ext cx="8351564" cy="5078313"/>
           </a:xfrm>
           <a:prstGeom prst="rect">
             <a:avLst/>
@@ -3011,56 +3009,56 @@
           <a:p>
             <a:pPr indent="457200"/>
             <a:r>
-              <a:rPr lang="zh-CN" altLang="en-US" sz="4000" dirty="0">
+              <a:rPr lang="zh-CN" altLang="en-US" sz="3600" dirty="0">
                 <a:solidFill>
                   <a:schemeClr val="bg1"/>
                 </a:solidFill>
-                <a:latin typeface="SimHei" panose="02010609060101010101" pitchFamily="49" charset="-122"/>
-                <a:ea typeface="SimHei" panose="02010609060101010101" pitchFamily="49" charset="-122"/>
+                <a:latin typeface="Noto Sans SC" panose="020B0200000000000000" pitchFamily="34" charset="-128"/>
+                <a:ea typeface="Noto Sans SC" panose="020B0200000000000000" pitchFamily="34" charset="-128"/>
                 <a:cs typeface="Arial" panose="020B0604020202020204" pitchFamily="34" charset="0"/>
               </a:rPr>
               <a:t>接下来您需要根据屏幕上的指导语以及主试的指导完成一些</a:t>
             </a:r>
             <a:r>
-              <a:rPr lang="zh-CN" altLang="en-US" sz="4000" b="1" dirty="0">
+              <a:rPr lang="zh-CN" altLang="en-US" sz="3600" b="1" dirty="0">
                 <a:solidFill>
                   <a:srgbClr val="FFC000"/>
                 </a:solidFill>
-                <a:latin typeface="SimHei" panose="02010609060101010101" pitchFamily="49" charset="-122"/>
-                <a:ea typeface="SimHei" panose="02010609060101010101" pitchFamily="49" charset="-122"/>
+                <a:latin typeface="Noto Sans SC" panose="020B0200000000000000" pitchFamily="34" charset="-128"/>
+                <a:ea typeface="Noto Sans SC" panose="020B0200000000000000" pitchFamily="34" charset="-128"/>
                 <a:cs typeface="Arial" panose="020B0604020202020204" pitchFamily="34" charset="0"/>
               </a:rPr>
               <a:t>任务</a:t>
             </a:r>
             <a:r>
-              <a:rPr lang="zh-CN" altLang="en-US" sz="4000" dirty="0">
+              <a:rPr lang="zh-CN" altLang="en-US" sz="3600" dirty="0">
                 <a:solidFill>
                   <a:schemeClr val="bg1"/>
                 </a:solidFill>
-                <a:latin typeface="SimHei" panose="02010609060101010101" pitchFamily="49" charset="-122"/>
-                <a:ea typeface="SimHei" panose="02010609060101010101" pitchFamily="49" charset="-122"/>
+                <a:latin typeface="Noto Sans SC" panose="020B0200000000000000" pitchFamily="34" charset="-128"/>
+                <a:ea typeface="Noto Sans SC" panose="020B0200000000000000" pitchFamily="34" charset="-128"/>
                 <a:cs typeface="Arial" panose="020B0604020202020204" pitchFamily="34" charset="0"/>
               </a:rPr>
               <a:t>或</a:t>
             </a:r>
             <a:r>
-              <a:rPr lang="zh-CN" altLang="en-US" sz="4000" b="1" dirty="0">
+              <a:rPr lang="zh-CN" altLang="en-US" sz="3600" b="1" dirty="0">
                 <a:solidFill>
                   <a:srgbClr val="FFC000"/>
                 </a:solidFill>
-                <a:latin typeface="SimHei" panose="02010609060101010101" pitchFamily="49" charset="-122"/>
-                <a:ea typeface="SimHei" panose="02010609060101010101" pitchFamily="49" charset="-122"/>
+                <a:latin typeface="Noto Sans SC" panose="020B0200000000000000" pitchFamily="34" charset="-128"/>
+                <a:ea typeface="Noto Sans SC" panose="020B0200000000000000" pitchFamily="34" charset="-128"/>
                 <a:cs typeface="Arial" panose="020B0604020202020204" pitchFamily="34" charset="0"/>
               </a:rPr>
               <a:t>休息</a:t>
             </a:r>
             <a:r>
-              <a:rPr lang="zh-CN" altLang="en-US" sz="4000" dirty="0">
+              <a:rPr lang="zh-CN" altLang="en-US" sz="3600" dirty="0">
                 <a:solidFill>
                   <a:schemeClr val="bg1"/>
                 </a:solidFill>
-                <a:latin typeface="SimHei" panose="02010609060101010101" pitchFamily="49" charset="-122"/>
-                <a:ea typeface="SimHei" panose="02010609060101010101" pitchFamily="49" charset="-122"/>
+                <a:latin typeface="Noto Sans SC" panose="020B0200000000000000" pitchFamily="34" charset="-128"/>
+                <a:ea typeface="Noto Sans SC" panose="020B0200000000000000" pitchFamily="34" charset="-128"/>
                 <a:cs typeface="Arial" panose="020B0604020202020204" pitchFamily="34" charset="0"/>
               </a:rPr>
               <a:t>。</a:t>
@@ -3068,156 +3066,156 @@
           </a:p>
           <a:p>
             <a:pPr indent="457200"/>
-            <a:endParaRPr lang="zh-CN" altLang="en-US" sz="4000" dirty="0">
+            <a:endParaRPr lang="zh-CN" altLang="en-US" sz="3600" dirty="0">
               <a:solidFill>
                 <a:schemeClr val="bg1"/>
               </a:solidFill>
-              <a:latin typeface="SimHei" panose="02010609060101010101" pitchFamily="49" charset="-122"/>
-              <a:ea typeface="SimHei" panose="02010609060101010101" pitchFamily="49" charset="-122"/>
+              <a:latin typeface="Noto Sans SC" panose="020B0200000000000000" pitchFamily="34" charset="-128"/>
+              <a:ea typeface="Noto Sans SC" panose="020B0200000000000000" pitchFamily="34" charset="-128"/>
               <a:cs typeface="Arial" panose="020B0604020202020204" pitchFamily="34" charset="0"/>
             </a:endParaRPr>
           </a:p>
           <a:p>
             <a:pPr indent="457200"/>
             <a:r>
-              <a:rPr lang="zh-CN" altLang="en-US" sz="4000" dirty="0">
+              <a:rPr lang="zh-CN" altLang="en-US" sz="3600" dirty="0">
                 <a:solidFill>
                   <a:schemeClr val="bg1"/>
                 </a:solidFill>
-                <a:latin typeface="SimHei" panose="02010609060101010101" pitchFamily="49" charset="-122"/>
-                <a:ea typeface="SimHei" panose="02010609060101010101" pitchFamily="49" charset="-122"/>
+                <a:latin typeface="Noto Sans SC" panose="020B0200000000000000" pitchFamily="34" charset="-128"/>
+                <a:ea typeface="Noto Sans SC" panose="020B0200000000000000" pitchFamily="34" charset="-128"/>
                 <a:cs typeface="Arial" panose="020B0604020202020204" pitchFamily="34" charset="0"/>
               </a:rPr>
               <a:t>首先请您根据要求使用</a:t>
             </a:r>
             <a:r>
-              <a:rPr lang="zh-CN" altLang="en-US" sz="4000" b="1" dirty="0">
+              <a:rPr lang="zh-CN" altLang="en-US" sz="3600" b="1" dirty="0">
                 <a:solidFill>
                   <a:srgbClr val="FFC000"/>
                 </a:solidFill>
-                <a:latin typeface="SimHei" panose="02010609060101010101" pitchFamily="49" charset="-122"/>
-                <a:ea typeface="SimHei" panose="02010609060101010101" pitchFamily="49" charset="-122"/>
+                <a:latin typeface="Noto Sans SC" panose="020B0200000000000000" pitchFamily="34" charset="-128"/>
+                <a:ea typeface="Noto Sans SC" panose="020B0200000000000000" pitchFamily="34" charset="-128"/>
                 <a:cs typeface="Arial" panose="020B0604020202020204" pitchFamily="34" charset="0"/>
               </a:rPr>
               <a:t>数字</a:t>
             </a:r>
             <a:r>
-              <a:rPr lang="zh-CN" altLang="en-US" sz="4000" dirty="0">
+              <a:rPr lang="zh-CN" altLang="en-US" sz="3600" dirty="0">
                 <a:solidFill>
                   <a:schemeClr val="bg1"/>
                 </a:solidFill>
-                <a:latin typeface="SimHei" panose="02010609060101010101" pitchFamily="49" charset="-122"/>
-                <a:ea typeface="SimHei" panose="02010609060101010101" pitchFamily="49" charset="-122"/>
+                <a:latin typeface="Noto Sans SC" panose="020B0200000000000000" pitchFamily="34" charset="-128"/>
+                <a:ea typeface="Noto Sans SC" panose="020B0200000000000000" pitchFamily="34" charset="-128"/>
                 <a:cs typeface="Arial" panose="020B0604020202020204" pitchFamily="34" charset="0"/>
               </a:rPr>
               <a:t>描述您目前的</a:t>
             </a:r>
             <a:r>
-              <a:rPr lang="zh-CN" altLang="en-US" sz="4000" b="1" dirty="0">
+              <a:rPr lang="zh-CN" altLang="en-US" sz="3600" b="1" dirty="0">
                 <a:solidFill>
                   <a:srgbClr val="FFC000"/>
                 </a:solidFill>
-                <a:latin typeface="SimHei" panose="02010609060101010101" pitchFamily="49" charset="-122"/>
-                <a:ea typeface="SimHei" panose="02010609060101010101" pitchFamily="49" charset="-122"/>
+                <a:latin typeface="Noto Sans SC" panose="020B0200000000000000" pitchFamily="34" charset="-128"/>
+                <a:ea typeface="Noto Sans SC" panose="020B0200000000000000" pitchFamily="34" charset="-128"/>
                 <a:cs typeface="Arial" panose="020B0604020202020204" pitchFamily="34" charset="0"/>
               </a:rPr>
               <a:t>情绪状态</a:t>
             </a:r>
             <a:r>
-              <a:rPr lang="zh-CN" altLang="en-US" sz="4000" dirty="0">
+              <a:rPr lang="zh-CN" altLang="en-US" sz="3600" dirty="0">
                 <a:solidFill>
                   <a:schemeClr val="bg1"/>
                 </a:solidFill>
-                <a:latin typeface="SimHei" panose="02010609060101010101" pitchFamily="49" charset="-122"/>
-                <a:ea typeface="SimHei" panose="02010609060101010101" pitchFamily="49" charset="-122"/>
+                <a:latin typeface="Noto Sans SC" panose="020B0200000000000000" pitchFamily="34" charset="-128"/>
+                <a:ea typeface="Noto Sans SC" panose="020B0200000000000000" pitchFamily="34" charset="-128"/>
                 <a:cs typeface="Arial" panose="020B0604020202020204" pitchFamily="34" charset="0"/>
               </a:rPr>
               <a:t>，请使用</a:t>
             </a:r>
             <a:r>
-              <a:rPr lang="zh-CN" altLang="en-US" sz="4000" b="1" dirty="0">
+              <a:rPr lang="zh-CN" altLang="en-US" sz="3600" b="1" dirty="0">
                 <a:solidFill>
                   <a:srgbClr val="FFC000"/>
                 </a:solidFill>
-                <a:latin typeface="SimHei" panose="02010609060101010101" pitchFamily="49" charset="-122"/>
-                <a:ea typeface="SimHei" panose="02010609060101010101" pitchFamily="49" charset="-122"/>
+                <a:latin typeface="Noto Sans SC" panose="020B0200000000000000" pitchFamily="34" charset="-128"/>
+                <a:ea typeface="Noto Sans SC" panose="020B0200000000000000" pitchFamily="34" charset="-128"/>
                 <a:cs typeface="Arial" panose="020B0604020202020204" pitchFamily="34" charset="0"/>
               </a:rPr>
               <a:t>左手边</a:t>
             </a:r>
             <a:r>
-              <a:rPr lang="zh-CN" altLang="en-US" sz="4000" dirty="0">
+              <a:rPr lang="zh-CN" altLang="en-US" sz="3600" dirty="0">
                 <a:solidFill>
                   <a:schemeClr val="bg1"/>
                 </a:solidFill>
-                <a:latin typeface="SimHei" panose="02010609060101010101" pitchFamily="49" charset="-122"/>
-                <a:ea typeface="SimHei" panose="02010609060101010101" pitchFamily="49" charset="-122"/>
+                <a:latin typeface="Noto Sans SC" panose="020B0200000000000000" pitchFamily="34" charset="-128"/>
+                <a:ea typeface="Noto Sans SC" panose="020B0200000000000000" pitchFamily="34" charset="-128"/>
                 <a:cs typeface="Arial" panose="020B0604020202020204" pitchFamily="34" charset="0"/>
               </a:rPr>
               <a:t>的按键控制</a:t>
             </a:r>
             <a:r>
-              <a:rPr lang="zh-CN" altLang="en-US" sz="4000" b="1" dirty="0">
+              <a:rPr lang="zh-CN" altLang="en-US" sz="3600" b="1" dirty="0">
                 <a:solidFill>
                   <a:srgbClr val="FFC000"/>
                 </a:solidFill>
-                <a:latin typeface="SimHei" panose="02010609060101010101" pitchFamily="49" charset="-122"/>
-                <a:ea typeface="SimHei" panose="02010609060101010101" pitchFamily="49" charset="-122"/>
+                <a:latin typeface="Noto Sans SC" panose="020B0200000000000000" pitchFamily="34" charset="-128"/>
+                <a:ea typeface="Noto Sans SC" panose="020B0200000000000000" pitchFamily="34" charset="-128"/>
                 <a:cs typeface="Arial" panose="020B0604020202020204" pitchFamily="34" charset="0"/>
               </a:rPr>
               <a:t>光标移动</a:t>
             </a:r>
             <a:r>
-              <a:rPr lang="zh-CN" altLang="en-US" sz="4000" dirty="0">
+              <a:rPr lang="zh-CN" altLang="en-US" sz="3600" dirty="0">
                 <a:solidFill>
                   <a:schemeClr val="bg1"/>
                 </a:solidFill>
-                <a:latin typeface="SimHei" panose="02010609060101010101" pitchFamily="49" charset="-122"/>
-                <a:ea typeface="SimHei" panose="02010609060101010101" pitchFamily="49" charset="-122"/>
+                <a:latin typeface="Noto Sans SC" panose="020B0200000000000000" pitchFamily="34" charset="-128"/>
+                <a:ea typeface="Noto Sans SC" panose="020B0200000000000000" pitchFamily="34" charset="-128"/>
                 <a:cs typeface="Arial" panose="020B0604020202020204" pitchFamily="34" charset="0"/>
               </a:rPr>
               <a:t>，使用</a:t>
             </a:r>
             <a:r>
-              <a:rPr lang="zh-CN" altLang="en-US" sz="4000" b="1" dirty="0">
+              <a:rPr lang="zh-CN" altLang="en-US" sz="3600" b="1" dirty="0">
                 <a:solidFill>
                   <a:srgbClr val="FFC000"/>
                 </a:solidFill>
-                <a:latin typeface="SimHei" panose="02010609060101010101" pitchFamily="49" charset="-122"/>
-                <a:ea typeface="SimHei" panose="02010609060101010101" pitchFamily="49" charset="-122"/>
+                <a:latin typeface="Noto Sans SC" panose="020B0200000000000000" pitchFamily="34" charset="-128"/>
+                <a:ea typeface="Noto Sans SC" panose="020B0200000000000000" pitchFamily="34" charset="-128"/>
                 <a:cs typeface="Arial" panose="020B0604020202020204" pitchFamily="34" charset="0"/>
               </a:rPr>
               <a:t>右手边</a:t>
             </a:r>
             <a:r>
-              <a:rPr lang="zh-CN" altLang="en-US" sz="4000" dirty="0">
+              <a:rPr lang="zh-CN" altLang="en-US" sz="3600" dirty="0">
                 <a:solidFill>
                   <a:schemeClr val="bg1"/>
                 </a:solidFill>
-                <a:latin typeface="SimHei" panose="02010609060101010101" pitchFamily="49" charset="-122"/>
-                <a:ea typeface="SimHei" panose="02010609060101010101" pitchFamily="49" charset="-122"/>
+                <a:latin typeface="Noto Sans SC" panose="020B0200000000000000" pitchFamily="34" charset="-128"/>
+                <a:ea typeface="Noto Sans SC" panose="020B0200000000000000" pitchFamily="34" charset="-128"/>
                 <a:cs typeface="Arial" panose="020B0604020202020204" pitchFamily="34" charset="0"/>
               </a:rPr>
               <a:t>的按键</a:t>
             </a:r>
             <a:r>
-              <a:rPr lang="zh-CN" altLang="en-US" sz="4000" b="1" dirty="0">
+              <a:rPr lang="zh-CN" altLang="en-US" sz="3600" b="1" dirty="0">
                 <a:solidFill>
                   <a:srgbClr val="FFC000"/>
                 </a:solidFill>
-                <a:latin typeface="SimHei" panose="02010609060101010101" pitchFamily="49" charset="-122"/>
-                <a:ea typeface="SimHei" panose="02010609060101010101" pitchFamily="49" charset="-122"/>
+                <a:latin typeface="Noto Sans SC" panose="020B0200000000000000" pitchFamily="34" charset="-128"/>
+                <a:ea typeface="Noto Sans SC" panose="020B0200000000000000" pitchFamily="34" charset="-128"/>
                 <a:cs typeface="Arial" panose="020B0604020202020204" pitchFamily="34" charset="0"/>
               </a:rPr>
               <a:t>确认</a:t>
             </a:r>
             <a:r>
-              <a:rPr lang="zh-CN" altLang="en-US" sz="4000" dirty="0">
+              <a:rPr lang="zh-CN" altLang="en-US" sz="3600" dirty="0">
                 <a:solidFill>
                   <a:schemeClr val="bg1"/>
                 </a:solidFill>
-                <a:latin typeface="SimHei" panose="02010609060101010101" pitchFamily="49" charset="-122"/>
-                <a:ea typeface="SimHei" panose="02010609060101010101" pitchFamily="49" charset="-122"/>
+                <a:latin typeface="Noto Sans SC" panose="020B0200000000000000" pitchFamily="34" charset="-128"/>
+                <a:ea typeface="Noto Sans SC" panose="020B0200000000000000" pitchFamily="34" charset="-128"/>
                 <a:cs typeface="Arial" panose="020B0604020202020204" pitchFamily="34" charset="0"/>
               </a:rPr>
               <a:t>。</a:t>
@@ -3225,68 +3223,68 @@
           </a:p>
           <a:p>
             <a:pPr indent="457200"/>
-            <a:endParaRPr lang="zh-CN" altLang="en-US" sz="4000" dirty="0">
+            <a:endParaRPr lang="zh-CN" altLang="en-US" sz="3600" dirty="0">
               <a:solidFill>
                 <a:schemeClr val="bg1"/>
               </a:solidFill>
-              <a:latin typeface="SimHei" panose="02010609060101010101" pitchFamily="49" charset="-122"/>
-              <a:ea typeface="SimHei" panose="02010609060101010101" pitchFamily="49" charset="-122"/>
+              <a:latin typeface="Noto Sans SC" panose="020B0200000000000000" pitchFamily="34" charset="-128"/>
+              <a:ea typeface="Noto Sans SC" panose="020B0200000000000000" pitchFamily="34" charset="-128"/>
               <a:cs typeface="Arial" panose="020B0604020202020204" pitchFamily="34" charset="0"/>
             </a:endParaRPr>
           </a:p>
           <a:p>
             <a:pPr indent="457200"/>
             <a:r>
-              <a:rPr lang="zh-CN" altLang="en-US" sz="4000" dirty="0">
+              <a:rPr lang="zh-CN" altLang="en-US" sz="3600" dirty="0">
                 <a:solidFill>
                   <a:schemeClr val="bg1"/>
                 </a:solidFill>
-                <a:latin typeface="SimHei" panose="02010609060101010101" pitchFamily="49" charset="-122"/>
-                <a:ea typeface="SimHei" panose="02010609060101010101" pitchFamily="49" charset="-122"/>
+                <a:latin typeface="Noto Sans SC" panose="020B0200000000000000" pitchFamily="34" charset="-128"/>
+                <a:ea typeface="Noto Sans SC" panose="020B0200000000000000" pitchFamily="34" charset="-128"/>
                 <a:cs typeface="Arial" panose="020B0604020202020204" pitchFamily="34" charset="0"/>
               </a:rPr>
               <a:t>如果您没有问题，请按</a:t>
             </a:r>
             <a:r>
-              <a:rPr lang="zh-CN" altLang="en-US" sz="4000" b="1" dirty="0">
+              <a:rPr lang="zh-CN" altLang="en-US" sz="3600" b="1" dirty="0">
                 <a:solidFill>
                   <a:srgbClr val="FFC000"/>
                 </a:solidFill>
-                <a:latin typeface="SimHei" panose="02010609060101010101" pitchFamily="49" charset="-122"/>
-                <a:ea typeface="SimHei" panose="02010609060101010101" pitchFamily="49" charset="-122"/>
+                <a:latin typeface="Noto Sans SC" panose="020B0200000000000000" pitchFamily="34" charset="-128"/>
+                <a:ea typeface="Noto Sans SC" panose="020B0200000000000000" pitchFamily="34" charset="-128"/>
                 <a:cs typeface="Arial" panose="020B0604020202020204" pitchFamily="34" charset="0"/>
               </a:rPr>
               <a:t>右手边</a:t>
             </a:r>
             <a:r>
-              <a:rPr lang="zh-CN" altLang="en-US" sz="4000" dirty="0">
+              <a:rPr lang="zh-CN" altLang="en-US" sz="3600" dirty="0">
                 <a:solidFill>
                   <a:schemeClr val="bg1"/>
                 </a:solidFill>
-                <a:latin typeface="SimHei" panose="02010609060101010101" pitchFamily="49" charset="-122"/>
-                <a:ea typeface="SimHei" panose="02010609060101010101" pitchFamily="49" charset="-122"/>
+                <a:latin typeface="Noto Sans SC" panose="020B0200000000000000" pitchFamily="34" charset="-128"/>
+                <a:ea typeface="Noto Sans SC" panose="020B0200000000000000" pitchFamily="34" charset="-128"/>
                 <a:cs typeface="Arial" panose="020B0604020202020204" pitchFamily="34" charset="0"/>
               </a:rPr>
               <a:t>的按键</a:t>
             </a:r>
             <a:r>
-              <a:rPr lang="zh-CN" altLang="en-US" sz="4000" b="1" dirty="0">
+              <a:rPr lang="zh-CN" altLang="en-US" sz="3600" b="1" dirty="0">
                 <a:solidFill>
                   <a:srgbClr val="FFC000"/>
                 </a:solidFill>
-                <a:latin typeface="SimHei" panose="02010609060101010101" pitchFamily="49" charset="-122"/>
-                <a:ea typeface="SimHei" panose="02010609060101010101" pitchFamily="49" charset="-122"/>
+                <a:latin typeface="Noto Sans SC" panose="020B0200000000000000" pitchFamily="34" charset="-128"/>
+                <a:ea typeface="Noto Sans SC" panose="020B0200000000000000" pitchFamily="34" charset="-128"/>
                 <a:cs typeface="Arial" panose="020B0604020202020204" pitchFamily="34" charset="0"/>
               </a:rPr>
               <a:t>继续</a:t>
             </a:r>
             <a:r>
-              <a:rPr lang="zh-CN" altLang="en-US" sz="4000" dirty="0">
+              <a:rPr lang="zh-CN" altLang="en-US" sz="3600" dirty="0">
                 <a:solidFill>
                   <a:schemeClr val="bg1"/>
                 </a:solidFill>
-                <a:latin typeface="SimHei" panose="02010609060101010101" pitchFamily="49" charset="-122"/>
-                <a:ea typeface="SimHei" panose="02010609060101010101" pitchFamily="49" charset="-122"/>
+                <a:latin typeface="Noto Sans SC" panose="020B0200000000000000" pitchFamily="34" charset="-128"/>
+                <a:ea typeface="Noto Sans SC" panose="020B0200000000000000" pitchFamily="34" charset="-128"/>
                 <a:cs typeface="Arial" panose="020B0604020202020204" pitchFamily="34" charset="0"/>
               </a:rPr>
               <a:t>。</a:t>
@@ -3298,6 +3296,726 @@
     <p:extLst>
       <p:ext uri="{BB962C8B-B14F-4D97-AF65-F5344CB8AC3E}">
         <p14:creationId xmlns:p14="http://schemas.microsoft.com/office/powerpoint/2010/main" val="1052988090"/>
+      </p:ext>
+    </p:extLst>
+  </p:cSld>
+  <p:clrMapOvr>
+    <a:masterClrMapping/>
+  </p:clrMapOvr>
+</p:sld>
+</file>
+
+<file path=ppt/slides/slide2.xml><?xml version="1.0" encoding="utf-8"?>
+<p:sld xmlns:a="http://schemas.openxmlformats.org/drawingml/2006/main" xmlns:r="http://schemas.openxmlformats.org/officeDocument/2006/relationships" xmlns:p="http://schemas.openxmlformats.org/presentationml/2006/main">
+  <p:cSld>
+    <p:spTree>
+      <p:nvGrpSpPr>
+        <p:cNvPr id="1" name=""/>
+        <p:cNvGrpSpPr/>
+        <p:nvPr/>
+      </p:nvGrpSpPr>
+      <p:grpSpPr>
+        <a:xfrm>
+          <a:off x="0" y="0"/>
+          <a:ext cx="0" cy="0"/>
+          <a:chOff x="0" y="0"/>
+          <a:chExt cx="0" cy="0"/>
+        </a:xfrm>
+      </p:grpSpPr>
+      <p:sp>
+        <p:nvSpPr>
+          <p:cNvPr id="4" name="TextBox 3">
+            <a:extLst>
+              <a:ext uri="{FF2B5EF4-FFF2-40B4-BE49-F238E27FC236}">
+                <a16:creationId xmlns:a16="http://schemas.microsoft.com/office/drawing/2014/main" id="{D8CA0785-F91D-F026-5810-EA41F253A6F7}"/>
+              </a:ext>
+            </a:extLst>
+          </p:cNvPr>
+          <p:cNvSpPr txBox="1"/>
+          <p:nvPr/>
+        </p:nvSpPr>
+        <p:spPr>
+          <a:xfrm>
+            <a:off x="401413" y="1443841"/>
+            <a:ext cx="8341173" cy="3970318"/>
+          </a:xfrm>
+          <a:prstGeom prst="rect">
+            <a:avLst/>
+          </a:prstGeom>
+          <a:noFill/>
+        </p:spPr>
+        <p:txBody>
+          <a:bodyPr wrap="square" rtlCol="0">
+            <a:spAutoFit/>
+          </a:bodyPr>
+          <a:lstStyle/>
+          <a:p>
+            <a:pPr indent="457200"/>
+            <a:r>
+              <a:rPr lang="zh-CN" altLang="en-US" sz="3600" dirty="0">
+                <a:solidFill>
+                  <a:schemeClr val="bg1"/>
+                </a:solidFill>
+                <a:latin typeface="Noto Sans SC" panose="020B0200000000000000" pitchFamily="34" charset="-128"/>
+                <a:ea typeface="Noto Sans SC" panose="020B0200000000000000" pitchFamily="34" charset="-128"/>
+                <a:cs typeface="Arial" panose="020B0604020202020204" pitchFamily="34" charset="0"/>
+              </a:rPr>
+              <a:t>在接下来的扫描中，请您看着屏幕上的“</a:t>
+            </a:r>
+            <a:r>
+              <a:rPr lang="en-US" altLang="zh-CN" sz="3600" dirty="0">
+                <a:solidFill>
+                  <a:schemeClr val="bg1"/>
+                </a:solidFill>
+                <a:latin typeface="Noto Sans SC" panose="020B0200000000000000" pitchFamily="34" charset="-128"/>
+                <a:ea typeface="Noto Sans SC" panose="020B0200000000000000" pitchFamily="34" charset="-128"/>
+                <a:cs typeface="Arial" panose="020B0604020202020204" pitchFamily="34" charset="0"/>
+              </a:rPr>
+              <a:t>+”</a:t>
+            </a:r>
+            <a:r>
+              <a:rPr lang="zh-CN" altLang="en-US" sz="3600" dirty="0">
+                <a:solidFill>
+                  <a:schemeClr val="bg1"/>
+                </a:solidFill>
+                <a:latin typeface="Noto Sans SC" panose="020B0200000000000000" pitchFamily="34" charset="-128"/>
+                <a:ea typeface="Noto Sans SC" panose="020B0200000000000000" pitchFamily="34" charset="-128"/>
+                <a:cs typeface="Arial" panose="020B0604020202020204" pitchFamily="34" charset="0"/>
+              </a:rPr>
+              <a:t>字注视点，尽量保持</a:t>
+            </a:r>
+            <a:r>
+              <a:rPr lang="zh-CN" altLang="en-US" sz="3600" b="1" dirty="0">
+                <a:solidFill>
+                  <a:srgbClr val="FFC000"/>
+                </a:solidFill>
+                <a:latin typeface="Noto Sans SC" panose="020B0200000000000000" pitchFamily="34" charset="-128"/>
+                <a:ea typeface="Noto Sans SC" panose="020B0200000000000000" pitchFamily="34" charset="-128"/>
+                <a:cs typeface="Arial" panose="020B0604020202020204" pitchFamily="34" charset="0"/>
+              </a:rPr>
+              <a:t>头</a:t>
+            </a:r>
+            <a:r>
+              <a:rPr lang="zh-CN" altLang="en-US" sz="3600" dirty="0">
+                <a:solidFill>
+                  <a:schemeClr val="bg1"/>
+                </a:solidFill>
+                <a:latin typeface="Noto Sans SC" panose="020B0200000000000000" pitchFamily="34" charset="-128"/>
+                <a:ea typeface="Noto Sans SC" panose="020B0200000000000000" pitchFamily="34" charset="-128"/>
+                <a:cs typeface="Arial" panose="020B0604020202020204" pitchFamily="34" charset="0"/>
+              </a:rPr>
+              <a:t>和</a:t>
+            </a:r>
+            <a:r>
+              <a:rPr lang="zh-CN" altLang="en-US" sz="3600" b="1" dirty="0">
+                <a:solidFill>
+                  <a:srgbClr val="FFC000"/>
+                </a:solidFill>
+                <a:latin typeface="Noto Sans SC" panose="020B0200000000000000" pitchFamily="34" charset="-128"/>
+                <a:ea typeface="Noto Sans SC" panose="020B0200000000000000" pitchFamily="34" charset="-128"/>
+                <a:cs typeface="Arial" panose="020B0604020202020204" pitchFamily="34" charset="0"/>
+              </a:rPr>
+              <a:t>身体不要动</a:t>
+            </a:r>
+            <a:r>
+              <a:rPr lang="zh-CN" altLang="en-US" sz="3600" dirty="0">
+                <a:solidFill>
+                  <a:schemeClr val="bg1"/>
+                </a:solidFill>
+                <a:latin typeface="Noto Sans SC" panose="020B0200000000000000" pitchFamily="34" charset="-128"/>
+                <a:ea typeface="Noto Sans SC" panose="020B0200000000000000" pitchFamily="34" charset="-128"/>
+                <a:cs typeface="Arial" panose="020B0604020202020204" pitchFamily="34" charset="0"/>
+              </a:rPr>
+              <a:t>，不要闭上眼睛，</a:t>
+            </a:r>
+            <a:r>
+              <a:rPr lang="zh-CN" altLang="en-US" sz="3600" b="1" dirty="0">
+                <a:solidFill>
+                  <a:srgbClr val="FFC000"/>
+                </a:solidFill>
+                <a:latin typeface="Noto Sans SC" panose="020B0200000000000000" pitchFamily="34" charset="-128"/>
+                <a:ea typeface="Noto Sans SC" panose="020B0200000000000000" pitchFamily="34" charset="-128"/>
+                <a:cs typeface="Arial" panose="020B0604020202020204" pitchFamily="34" charset="0"/>
+              </a:rPr>
+              <a:t>保持清醒</a:t>
+            </a:r>
+            <a:r>
+              <a:rPr lang="zh-CN" altLang="en-US" sz="3600" dirty="0">
+                <a:solidFill>
+                  <a:schemeClr val="bg1"/>
+                </a:solidFill>
+                <a:latin typeface="Noto Sans SC" panose="020B0200000000000000" pitchFamily="34" charset="-128"/>
+                <a:ea typeface="Noto Sans SC" panose="020B0200000000000000" pitchFamily="34" charset="-128"/>
+                <a:cs typeface="Arial" panose="020B0604020202020204" pitchFamily="34" charset="0"/>
+              </a:rPr>
+              <a:t>，不要睡着。</a:t>
+            </a:r>
+          </a:p>
+          <a:p>
+            <a:pPr indent="457200"/>
+            <a:endParaRPr lang="zh-CN" altLang="en-US" sz="3600" dirty="0">
+              <a:solidFill>
+                <a:schemeClr val="bg1"/>
+              </a:solidFill>
+              <a:latin typeface="Noto Sans SC" panose="020B0200000000000000" pitchFamily="34" charset="-128"/>
+              <a:ea typeface="Noto Sans SC" panose="020B0200000000000000" pitchFamily="34" charset="-128"/>
+              <a:cs typeface="Arial" panose="020B0604020202020204" pitchFamily="34" charset="0"/>
+            </a:endParaRPr>
+          </a:p>
+          <a:p>
+            <a:pPr indent="457200"/>
+            <a:r>
+              <a:rPr lang="zh-CN" altLang="en-US" sz="3600" dirty="0">
+                <a:solidFill>
+                  <a:schemeClr val="bg1"/>
+                </a:solidFill>
+                <a:latin typeface="Noto Sans SC" panose="020B0200000000000000" pitchFamily="34" charset="-128"/>
+                <a:ea typeface="Noto Sans SC" panose="020B0200000000000000" pitchFamily="34" charset="-128"/>
+                <a:cs typeface="Arial" panose="020B0604020202020204" pitchFamily="34" charset="0"/>
+              </a:rPr>
+              <a:t>如果您没有问题，请按</a:t>
+            </a:r>
+            <a:r>
+              <a:rPr lang="zh-CN" altLang="en-US" sz="3600" b="1" dirty="0">
+                <a:solidFill>
+                  <a:srgbClr val="FFC000"/>
+                </a:solidFill>
+                <a:latin typeface="Noto Sans SC" panose="020B0200000000000000" pitchFamily="34" charset="-128"/>
+                <a:ea typeface="Noto Sans SC" panose="020B0200000000000000" pitchFamily="34" charset="-128"/>
+                <a:cs typeface="Arial" panose="020B0604020202020204" pitchFamily="34" charset="0"/>
+              </a:rPr>
+              <a:t>右手边</a:t>
+            </a:r>
+            <a:r>
+              <a:rPr lang="zh-CN" altLang="en-US" sz="3600" dirty="0">
+                <a:solidFill>
+                  <a:schemeClr val="bg1"/>
+                </a:solidFill>
+                <a:latin typeface="Noto Sans SC" panose="020B0200000000000000" pitchFamily="34" charset="-128"/>
+                <a:ea typeface="Noto Sans SC" panose="020B0200000000000000" pitchFamily="34" charset="-128"/>
+                <a:cs typeface="Arial" panose="020B0604020202020204" pitchFamily="34" charset="0"/>
+              </a:rPr>
+              <a:t>的按键</a:t>
+            </a:r>
+            <a:r>
+              <a:rPr lang="zh-CN" altLang="en-US" sz="3600" b="1" dirty="0">
+                <a:solidFill>
+                  <a:srgbClr val="FFC000"/>
+                </a:solidFill>
+                <a:latin typeface="Noto Sans SC" panose="020B0200000000000000" pitchFamily="34" charset="-128"/>
+                <a:ea typeface="Noto Sans SC" panose="020B0200000000000000" pitchFamily="34" charset="-128"/>
+                <a:cs typeface="Arial" panose="020B0604020202020204" pitchFamily="34" charset="0"/>
+              </a:rPr>
+              <a:t>继续</a:t>
+            </a:r>
+            <a:r>
+              <a:rPr lang="zh-CN" altLang="en-US" sz="3600" dirty="0">
+                <a:solidFill>
+                  <a:schemeClr val="bg1"/>
+                </a:solidFill>
+                <a:latin typeface="Noto Sans SC" panose="020B0200000000000000" pitchFamily="34" charset="-128"/>
+                <a:ea typeface="Noto Sans SC" panose="020B0200000000000000" pitchFamily="34" charset="-128"/>
+                <a:cs typeface="Arial" panose="020B0604020202020204" pitchFamily="34" charset="0"/>
+              </a:rPr>
+              <a:t>。</a:t>
+            </a:r>
+          </a:p>
+        </p:txBody>
+      </p:sp>
+    </p:spTree>
+    <p:extLst>
+      <p:ext uri="{BB962C8B-B14F-4D97-AF65-F5344CB8AC3E}">
+        <p14:creationId xmlns:p14="http://schemas.microsoft.com/office/powerpoint/2010/main" val="1124922398"/>
+      </p:ext>
+    </p:extLst>
+  </p:cSld>
+  <p:clrMapOvr>
+    <a:masterClrMapping/>
+  </p:clrMapOvr>
+</p:sld>
+</file>
+
+<file path=ppt/slides/slide3.xml><?xml version="1.0" encoding="utf-8"?>
+<p:sld xmlns:a="http://schemas.openxmlformats.org/drawingml/2006/main" xmlns:r="http://schemas.openxmlformats.org/officeDocument/2006/relationships" xmlns:p="http://schemas.openxmlformats.org/presentationml/2006/main">
+  <p:cSld>
+    <p:spTree>
+      <p:nvGrpSpPr>
+        <p:cNvPr id="1" name=""/>
+        <p:cNvGrpSpPr/>
+        <p:nvPr/>
+      </p:nvGrpSpPr>
+      <p:grpSpPr>
+        <a:xfrm>
+          <a:off x="0" y="0"/>
+          <a:ext cx="0" cy="0"/>
+          <a:chOff x="0" y="0"/>
+          <a:chExt cx="0" cy="0"/>
+        </a:xfrm>
+      </p:grpSpPr>
+      <p:sp>
+        <p:nvSpPr>
+          <p:cNvPr id="2" name="TextBox 1">
+            <a:extLst>
+              <a:ext uri="{FF2B5EF4-FFF2-40B4-BE49-F238E27FC236}">
+                <a16:creationId xmlns:a16="http://schemas.microsoft.com/office/drawing/2014/main" id="{EAFB9A3D-CE97-E371-55C4-6C5F6C4FBD98}"/>
+              </a:ext>
+            </a:extLst>
+          </p:cNvPr>
+          <p:cNvSpPr txBox="1"/>
+          <p:nvPr/>
+        </p:nvSpPr>
+        <p:spPr>
+          <a:xfrm>
+            <a:off x="231327" y="1720840"/>
+            <a:ext cx="8681345" cy="3416320"/>
+          </a:xfrm>
+          <a:prstGeom prst="rect">
+            <a:avLst/>
+          </a:prstGeom>
+          <a:noFill/>
+        </p:spPr>
+        <p:txBody>
+          <a:bodyPr wrap="square" rtlCol="0">
+            <a:spAutoFit/>
+          </a:bodyPr>
+          <a:lstStyle/>
+          <a:p>
+            <a:pPr indent="457200"/>
+            <a:r>
+              <a:rPr lang="zh-CN" altLang="en-US" sz="3600" dirty="0">
+                <a:solidFill>
+                  <a:schemeClr val="bg1"/>
+                </a:solidFill>
+                <a:latin typeface="Noto Sans SC" panose="020B0200000000000000" pitchFamily="34" charset="-128"/>
+                <a:ea typeface="Noto Sans SC" panose="020B0200000000000000" pitchFamily="34" charset="-128"/>
+                <a:cs typeface="Arial" panose="020B0604020202020204" pitchFamily="34" charset="0"/>
+              </a:rPr>
+              <a:t>请您使用</a:t>
+            </a:r>
+            <a:r>
+              <a:rPr lang="zh-CN" altLang="en-US" sz="3600" b="1" dirty="0">
+                <a:solidFill>
+                  <a:srgbClr val="FFC000"/>
+                </a:solidFill>
+                <a:latin typeface="Noto Sans SC" panose="020B0200000000000000" pitchFamily="34" charset="-128"/>
+                <a:ea typeface="Noto Sans SC" panose="020B0200000000000000" pitchFamily="34" charset="-128"/>
+                <a:cs typeface="Arial" panose="020B0604020202020204" pitchFamily="34" charset="0"/>
+              </a:rPr>
+              <a:t>数字</a:t>
+            </a:r>
+            <a:r>
+              <a:rPr lang="zh-CN" altLang="en-US" sz="3600" dirty="0">
+                <a:solidFill>
+                  <a:schemeClr val="bg1"/>
+                </a:solidFill>
+                <a:latin typeface="Noto Sans SC" panose="020B0200000000000000" pitchFamily="34" charset="-128"/>
+                <a:ea typeface="Noto Sans SC" panose="020B0200000000000000" pitchFamily="34" charset="-128"/>
+                <a:cs typeface="Arial" panose="020B0604020202020204" pitchFamily="34" charset="0"/>
+              </a:rPr>
+              <a:t>描述您目前的</a:t>
+            </a:r>
+            <a:r>
+              <a:rPr lang="zh-CN" altLang="en-US" sz="3600" b="1" dirty="0">
+                <a:solidFill>
+                  <a:srgbClr val="FFC000"/>
+                </a:solidFill>
+                <a:latin typeface="Noto Sans SC" panose="020B0200000000000000" pitchFamily="34" charset="-128"/>
+                <a:ea typeface="Noto Sans SC" panose="020B0200000000000000" pitchFamily="34" charset="-128"/>
+                <a:cs typeface="Arial" panose="020B0604020202020204" pitchFamily="34" charset="0"/>
+              </a:rPr>
+              <a:t>情绪状态</a:t>
+            </a:r>
+            <a:r>
+              <a:rPr lang="zh-CN" altLang="en-US" sz="3600" dirty="0">
+                <a:solidFill>
+                  <a:schemeClr val="bg1"/>
+                </a:solidFill>
+                <a:latin typeface="Noto Sans SC" panose="020B0200000000000000" pitchFamily="34" charset="-128"/>
+                <a:ea typeface="Noto Sans SC" panose="020B0200000000000000" pitchFamily="34" charset="-128"/>
+                <a:cs typeface="Arial" panose="020B0604020202020204" pitchFamily="34" charset="0"/>
+              </a:rPr>
+              <a:t>，请使用</a:t>
+            </a:r>
+            <a:r>
+              <a:rPr lang="zh-CN" altLang="en-US" sz="3600" b="1" dirty="0">
+                <a:solidFill>
+                  <a:srgbClr val="FFC000"/>
+                </a:solidFill>
+                <a:latin typeface="Noto Sans SC" panose="020B0200000000000000" pitchFamily="34" charset="-128"/>
+                <a:ea typeface="Noto Sans SC" panose="020B0200000000000000" pitchFamily="34" charset="-128"/>
+                <a:cs typeface="Arial" panose="020B0604020202020204" pitchFamily="34" charset="0"/>
+              </a:rPr>
+              <a:t>左手边</a:t>
+            </a:r>
+            <a:r>
+              <a:rPr lang="zh-CN" altLang="en-US" sz="3600" dirty="0">
+                <a:solidFill>
+                  <a:schemeClr val="bg1"/>
+                </a:solidFill>
+                <a:latin typeface="Noto Sans SC" panose="020B0200000000000000" pitchFamily="34" charset="-128"/>
+                <a:ea typeface="Noto Sans SC" panose="020B0200000000000000" pitchFamily="34" charset="-128"/>
+                <a:cs typeface="Arial" panose="020B0604020202020204" pitchFamily="34" charset="0"/>
+              </a:rPr>
+              <a:t>的按键控制</a:t>
+            </a:r>
+            <a:r>
+              <a:rPr lang="zh-CN" altLang="en-US" sz="3600" b="1" dirty="0">
+                <a:solidFill>
+                  <a:srgbClr val="FFC000"/>
+                </a:solidFill>
+                <a:latin typeface="Noto Sans SC" panose="020B0200000000000000" pitchFamily="34" charset="-128"/>
+                <a:ea typeface="Noto Sans SC" panose="020B0200000000000000" pitchFamily="34" charset="-128"/>
+                <a:cs typeface="Arial" panose="020B0604020202020204" pitchFamily="34" charset="0"/>
+              </a:rPr>
+              <a:t>光标移动</a:t>
+            </a:r>
+            <a:r>
+              <a:rPr lang="zh-CN" altLang="en-US" sz="3600" dirty="0">
+                <a:solidFill>
+                  <a:schemeClr val="bg1"/>
+                </a:solidFill>
+                <a:latin typeface="Noto Sans SC" panose="020B0200000000000000" pitchFamily="34" charset="-128"/>
+                <a:ea typeface="Noto Sans SC" panose="020B0200000000000000" pitchFamily="34" charset="-128"/>
+                <a:cs typeface="Arial" panose="020B0604020202020204" pitchFamily="34" charset="0"/>
+              </a:rPr>
+              <a:t>，使用</a:t>
+            </a:r>
+            <a:r>
+              <a:rPr lang="zh-CN" altLang="en-US" sz="3600" b="1" dirty="0">
+                <a:solidFill>
+                  <a:srgbClr val="FFC000"/>
+                </a:solidFill>
+                <a:latin typeface="Noto Sans SC" panose="020B0200000000000000" pitchFamily="34" charset="-128"/>
+                <a:ea typeface="Noto Sans SC" panose="020B0200000000000000" pitchFamily="34" charset="-128"/>
+                <a:cs typeface="Arial" panose="020B0604020202020204" pitchFamily="34" charset="0"/>
+              </a:rPr>
+              <a:t>右手边</a:t>
+            </a:r>
+            <a:r>
+              <a:rPr lang="zh-CN" altLang="en-US" sz="3600" dirty="0">
+                <a:solidFill>
+                  <a:schemeClr val="bg1"/>
+                </a:solidFill>
+                <a:latin typeface="Noto Sans SC" panose="020B0200000000000000" pitchFamily="34" charset="-128"/>
+                <a:ea typeface="Noto Sans SC" panose="020B0200000000000000" pitchFamily="34" charset="-128"/>
+                <a:cs typeface="Arial" panose="020B0604020202020204" pitchFamily="34" charset="0"/>
+              </a:rPr>
+              <a:t>的按键</a:t>
+            </a:r>
+            <a:r>
+              <a:rPr lang="zh-CN" altLang="en-US" sz="3600" b="1" dirty="0">
+                <a:solidFill>
+                  <a:srgbClr val="FFC000"/>
+                </a:solidFill>
+                <a:latin typeface="Noto Sans SC" panose="020B0200000000000000" pitchFamily="34" charset="-128"/>
+                <a:ea typeface="Noto Sans SC" panose="020B0200000000000000" pitchFamily="34" charset="-128"/>
+                <a:cs typeface="Arial" panose="020B0604020202020204" pitchFamily="34" charset="0"/>
+              </a:rPr>
+              <a:t>确认</a:t>
+            </a:r>
+            <a:r>
+              <a:rPr lang="zh-CN" altLang="en-US" sz="3600" dirty="0">
+                <a:solidFill>
+                  <a:schemeClr val="bg1"/>
+                </a:solidFill>
+                <a:latin typeface="Noto Sans SC" panose="020B0200000000000000" pitchFamily="34" charset="-128"/>
+                <a:ea typeface="Noto Sans SC" panose="020B0200000000000000" pitchFamily="34" charset="-128"/>
+                <a:cs typeface="Arial" panose="020B0604020202020204" pitchFamily="34" charset="0"/>
+              </a:rPr>
+              <a:t>。</a:t>
+            </a:r>
+            <a:endParaRPr lang="en-US" altLang="zh-CN" sz="3600" dirty="0">
+              <a:solidFill>
+                <a:schemeClr val="bg1"/>
+              </a:solidFill>
+              <a:latin typeface="Noto Sans SC" panose="020B0200000000000000" pitchFamily="34" charset="-128"/>
+              <a:ea typeface="Noto Sans SC" panose="020B0200000000000000" pitchFamily="34" charset="-128"/>
+              <a:cs typeface="Arial" panose="020B0604020202020204" pitchFamily="34" charset="0"/>
+            </a:endParaRPr>
+          </a:p>
+          <a:p>
+            <a:pPr indent="457200"/>
+            <a:endParaRPr lang="en-US" altLang="zh-CN" sz="3600" dirty="0">
+              <a:solidFill>
+                <a:schemeClr val="bg1"/>
+              </a:solidFill>
+              <a:latin typeface="Noto Sans SC" panose="020B0200000000000000" pitchFamily="34" charset="-128"/>
+              <a:ea typeface="Noto Sans SC" panose="020B0200000000000000" pitchFamily="34" charset="-128"/>
+              <a:cs typeface="Arial" panose="020B0604020202020204" pitchFamily="34" charset="0"/>
+            </a:endParaRPr>
+          </a:p>
+          <a:p>
+            <a:pPr indent="457200"/>
+            <a:r>
+              <a:rPr lang="zh-CN" altLang="en-US" sz="3600" dirty="0">
+                <a:solidFill>
+                  <a:schemeClr val="bg1"/>
+                </a:solidFill>
+                <a:latin typeface="Noto Sans SC" panose="020B0200000000000000" pitchFamily="34" charset="-128"/>
+                <a:ea typeface="Noto Sans SC" panose="020B0200000000000000" pitchFamily="34" charset="-128"/>
+                <a:cs typeface="Arial" panose="020B0604020202020204" pitchFamily="34" charset="0"/>
+              </a:rPr>
+              <a:t>如果您没有问题，请按</a:t>
+            </a:r>
+            <a:r>
+              <a:rPr lang="zh-CN" altLang="en-US" sz="3600" b="1" dirty="0">
+                <a:solidFill>
+                  <a:srgbClr val="FFC000"/>
+                </a:solidFill>
+                <a:latin typeface="Noto Sans SC" panose="020B0200000000000000" pitchFamily="34" charset="-128"/>
+                <a:ea typeface="Noto Sans SC" panose="020B0200000000000000" pitchFamily="34" charset="-128"/>
+                <a:cs typeface="Arial" panose="020B0604020202020204" pitchFamily="34" charset="0"/>
+              </a:rPr>
+              <a:t>右手边</a:t>
+            </a:r>
+            <a:r>
+              <a:rPr lang="zh-CN" altLang="en-US" sz="3600" dirty="0">
+                <a:solidFill>
+                  <a:schemeClr val="bg1"/>
+                </a:solidFill>
+                <a:latin typeface="Noto Sans SC" panose="020B0200000000000000" pitchFamily="34" charset="-128"/>
+                <a:ea typeface="Noto Sans SC" panose="020B0200000000000000" pitchFamily="34" charset="-128"/>
+                <a:cs typeface="Arial" panose="020B0604020202020204" pitchFamily="34" charset="0"/>
+              </a:rPr>
+              <a:t>的按键</a:t>
+            </a:r>
+            <a:r>
+              <a:rPr lang="zh-CN" altLang="en-US" sz="3600" b="1" dirty="0">
+                <a:solidFill>
+                  <a:srgbClr val="FFC000"/>
+                </a:solidFill>
+                <a:latin typeface="Noto Sans SC" panose="020B0200000000000000" pitchFamily="34" charset="-128"/>
+                <a:ea typeface="Noto Sans SC" panose="020B0200000000000000" pitchFamily="34" charset="-128"/>
+                <a:cs typeface="Arial" panose="020B0604020202020204" pitchFamily="34" charset="0"/>
+              </a:rPr>
+              <a:t>继续</a:t>
+            </a:r>
+            <a:r>
+              <a:rPr lang="zh-CN" altLang="en-US" sz="3600" dirty="0">
+                <a:solidFill>
+                  <a:schemeClr val="bg1"/>
+                </a:solidFill>
+                <a:latin typeface="Noto Sans SC" panose="020B0200000000000000" pitchFamily="34" charset="-128"/>
+                <a:ea typeface="Noto Sans SC" panose="020B0200000000000000" pitchFamily="34" charset="-128"/>
+                <a:cs typeface="Arial" panose="020B0604020202020204" pitchFamily="34" charset="0"/>
+              </a:rPr>
+              <a:t>。</a:t>
+            </a:r>
+          </a:p>
+        </p:txBody>
+      </p:sp>
+    </p:spTree>
+    <p:extLst>
+      <p:ext uri="{BB962C8B-B14F-4D97-AF65-F5344CB8AC3E}">
+        <p14:creationId xmlns:p14="http://schemas.microsoft.com/office/powerpoint/2010/main" val="179704108"/>
+      </p:ext>
+    </p:extLst>
+  </p:cSld>
+  <p:clrMapOvr>
+    <a:masterClrMapping/>
+  </p:clrMapOvr>
+</p:sld>
+</file>
+
+<file path=ppt/slides/slide4.xml><?xml version="1.0" encoding="utf-8"?>
+<p:sld xmlns:a="http://schemas.openxmlformats.org/drawingml/2006/main" xmlns:r="http://schemas.openxmlformats.org/officeDocument/2006/relationships" xmlns:p="http://schemas.openxmlformats.org/presentationml/2006/main">
+  <p:cSld>
+    <p:spTree>
+      <p:nvGrpSpPr>
+        <p:cNvPr id="1" name=""/>
+        <p:cNvGrpSpPr/>
+        <p:nvPr/>
+      </p:nvGrpSpPr>
+      <p:grpSpPr>
+        <a:xfrm>
+          <a:off x="0" y="0"/>
+          <a:ext cx="0" cy="0"/>
+          <a:chOff x="0" y="0"/>
+          <a:chExt cx="0" cy="0"/>
+        </a:xfrm>
+      </p:grpSpPr>
+      <p:sp>
+        <p:nvSpPr>
+          <p:cNvPr id="2" name="TextBox 1">
+            <a:extLst>
+              <a:ext uri="{FF2B5EF4-FFF2-40B4-BE49-F238E27FC236}">
+                <a16:creationId xmlns:a16="http://schemas.microsoft.com/office/drawing/2014/main" id="{371B7E71-1ADD-51EA-3CBE-03ECA2485BD3}"/>
+              </a:ext>
+            </a:extLst>
+          </p:cNvPr>
+          <p:cNvSpPr txBox="1"/>
+          <p:nvPr/>
+        </p:nvSpPr>
+        <p:spPr>
+          <a:xfrm>
+            <a:off x="380631" y="1443841"/>
+            <a:ext cx="8382737" cy="3970318"/>
+          </a:xfrm>
+          <a:prstGeom prst="rect">
+            <a:avLst/>
+          </a:prstGeom>
+          <a:noFill/>
+        </p:spPr>
+        <p:txBody>
+          <a:bodyPr wrap="square" rtlCol="0">
+            <a:spAutoFit/>
+          </a:bodyPr>
+          <a:lstStyle/>
+          <a:p>
+            <a:pPr indent="457200"/>
+            <a:r>
+              <a:rPr lang="zh-CN" altLang="en-US" sz="3600" dirty="0">
+                <a:solidFill>
+                  <a:schemeClr val="bg1"/>
+                </a:solidFill>
+                <a:latin typeface="Noto Sans SC" panose="020B0200000000000000" pitchFamily="34" charset="-128"/>
+                <a:ea typeface="Noto Sans SC" panose="020B0200000000000000" pitchFamily="34" charset="-128"/>
+                <a:cs typeface="Arial" panose="020B0604020202020204" pitchFamily="34" charset="0"/>
+              </a:rPr>
+              <a:t>请报告您在刚才扫描过程中</a:t>
+            </a:r>
+            <a:r>
+              <a:rPr lang="zh-CN" altLang="en-US" sz="3600" b="1" dirty="0">
+                <a:solidFill>
+                  <a:srgbClr val="FFC000"/>
+                </a:solidFill>
+                <a:latin typeface="Noto Sans SC" panose="020B0200000000000000" pitchFamily="34" charset="-128"/>
+                <a:ea typeface="Noto Sans SC" panose="020B0200000000000000" pitchFamily="34" charset="-128"/>
+                <a:cs typeface="Arial" panose="020B0604020202020204" pitchFamily="34" charset="0"/>
+              </a:rPr>
+              <a:t>内心想法</a:t>
+            </a:r>
+            <a:r>
+              <a:rPr lang="zh-CN" altLang="en-US" sz="3600" dirty="0">
+                <a:solidFill>
+                  <a:schemeClr val="bg1"/>
+                </a:solidFill>
+                <a:latin typeface="Noto Sans SC" panose="020B0200000000000000" pitchFamily="34" charset="-128"/>
+                <a:ea typeface="Noto Sans SC" panose="020B0200000000000000" pitchFamily="34" charset="-128"/>
+                <a:cs typeface="Arial" panose="020B0604020202020204" pitchFamily="34" charset="0"/>
+              </a:rPr>
+              <a:t>的</a:t>
+            </a:r>
+            <a:r>
+              <a:rPr lang="zh-CN" altLang="en-US" sz="3600" b="1" dirty="0">
+                <a:solidFill>
+                  <a:srgbClr val="FFC000"/>
+                </a:solidFill>
+                <a:latin typeface="Noto Sans SC" panose="020B0200000000000000" pitchFamily="34" charset="-128"/>
+                <a:ea typeface="Noto Sans SC" panose="020B0200000000000000" pitchFamily="34" charset="-128"/>
+                <a:cs typeface="Arial" panose="020B0604020202020204" pitchFamily="34" charset="0"/>
+              </a:rPr>
+              <a:t>内容</a:t>
+            </a:r>
+            <a:r>
+              <a:rPr lang="zh-CN" altLang="en-US" sz="3600" dirty="0">
+                <a:solidFill>
+                  <a:schemeClr val="bg1"/>
+                </a:solidFill>
+                <a:latin typeface="Noto Sans SC" panose="020B0200000000000000" pitchFamily="34" charset="-128"/>
+                <a:ea typeface="Noto Sans SC" panose="020B0200000000000000" pitchFamily="34" charset="-128"/>
+                <a:cs typeface="Arial" panose="020B0604020202020204" pitchFamily="34" charset="0"/>
+              </a:rPr>
+              <a:t>和</a:t>
+            </a:r>
+            <a:r>
+              <a:rPr lang="zh-CN" altLang="en-US" sz="3600" b="1" dirty="0">
+                <a:solidFill>
+                  <a:srgbClr val="FFC000"/>
+                </a:solidFill>
+                <a:latin typeface="Noto Sans SC" panose="020B0200000000000000" pitchFamily="34" charset="-128"/>
+                <a:ea typeface="Noto Sans SC" panose="020B0200000000000000" pitchFamily="34" charset="-128"/>
+                <a:cs typeface="Arial" panose="020B0604020202020204" pitchFamily="34" charset="0"/>
+              </a:rPr>
+              <a:t>形式</a:t>
+            </a:r>
+            <a:r>
+              <a:rPr lang="zh-CN" altLang="en-US" sz="3600" dirty="0">
+                <a:solidFill>
+                  <a:schemeClr val="bg1"/>
+                </a:solidFill>
+                <a:latin typeface="Noto Sans SC" panose="020B0200000000000000" pitchFamily="34" charset="-128"/>
+                <a:ea typeface="Noto Sans SC" panose="020B0200000000000000" pitchFamily="34" charset="-128"/>
+                <a:cs typeface="Arial" panose="020B0604020202020204" pitchFamily="34" charset="0"/>
+              </a:rPr>
+              <a:t>，在接下来的一系列问题中，请您选出最符合您思维内容或形式的选项。</a:t>
+            </a:r>
+          </a:p>
+          <a:p>
+            <a:pPr indent="457200"/>
+            <a:endParaRPr lang="zh-CN" altLang="en-US" sz="3600" dirty="0">
+              <a:solidFill>
+                <a:schemeClr val="bg1"/>
+              </a:solidFill>
+              <a:latin typeface="Noto Sans SC" panose="020B0200000000000000" pitchFamily="34" charset="-128"/>
+              <a:ea typeface="Noto Sans SC" panose="020B0200000000000000" pitchFamily="34" charset="-128"/>
+              <a:cs typeface="Arial" panose="020B0604020202020204" pitchFamily="34" charset="0"/>
+            </a:endParaRPr>
+          </a:p>
+          <a:p>
+            <a:pPr indent="457200"/>
+            <a:r>
+              <a:rPr lang="zh-CN" altLang="en-US" sz="3600" dirty="0">
+                <a:solidFill>
+                  <a:schemeClr val="bg1"/>
+                </a:solidFill>
+                <a:latin typeface="Noto Sans SC" panose="020B0200000000000000" pitchFamily="34" charset="-128"/>
+                <a:ea typeface="Noto Sans SC" panose="020B0200000000000000" pitchFamily="34" charset="-128"/>
+                <a:cs typeface="Arial" panose="020B0604020202020204" pitchFamily="34" charset="0"/>
+              </a:rPr>
+              <a:t>如果您没有问题，请按</a:t>
+            </a:r>
+            <a:r>
+              <a:rPr lang="zh-CN" altLang="en-US" sz="3600" b="1" dirty="0">
+                <a:solidFill>
+                  <a:srgbClr val="FFC000"/>
+                </a:solidFill>
+                <a:latin typeface="Noto Sans SC" panose="020B0200000000000000" pitchFamily="34" charset="-128"/>
+                <a:ea typeface="Noto Sans SC" panose="020B0200000000000000" pitchFamily="34" charset="-128"/>
+                <a:cs typeface="Arial" panose="020B0604020202020204" pitchFamily="34" charset="0"/>
+              </a:rPr>
+              <a:t>右手边</a:t>
+            </a:r>
+            <a:r>
+              <a:rPr lang="zh-CN" altLang="en-US" sz="3600" dirty="0">
+                <a:solidFill>
+                  <a:schemeClr val="bg1"/>
+                </a:solidFill>
+                <a:latin typeface="Noto Sans SC" panose="020B0200000000000000" pitchFamily="34" charset="-128"/>
+                <a:ea typeface="Noto Sans SC" panose="020B0200000000000000" pitchFamily="34" charset="-128"/>
+                <a:cs typeface="Arial" panose="020B0604020202020204" pitchFamily="34" charset="0"/>
+              </a:rPr>
+              <a:t>的按键</a:t>
+            </a:r>
+            <a:r>
+              <a:rPr lang="zh-CN" altLang="en-US" sz="3600" b="1" dirty="0">
+                <a:solidFill>
+                  <a:srgbClr val="FFC000"/>
+                </a:solidFill>
+                <a:latin typeface="Noto Sans SC" panose="020B0200000000000000" pitchFamily="34" charset="-128"/>
+                <a:ea typeface="Noto Sans SC" panose="020B0200000000000000" pitchFamily="34" charset="-128"/>
+                <a:cs typeface="Arial" panose="020B0604020202020204" pitchFamily="34" charset="0"/>
+              </a:rPr>
+              <a:t>继续</a:t>
+            </a:r>
+            <a:r>
+              <a:rPr lang="zh-CN" altLang="en-US" sz="3600" dirty="0">
+                <a:solidFill>
+                  <a:schemeClr val="bg1"/>
+                </a:solidFill>
+                <a:latin typeface="Noto Sans SC" panose="020B0200000000000000" pitchFamily="34" charset="-128"/>
+                <a:ea typeface="Noto Sans SC" panose="020B0200000000000000" pitchFamily="34" charset="-128"/>
+                <a:cs typeface="Arial" panose="020B0604020202020204" pitchFamily="34" charset="0"/>
+              </a:rPr>
+              <a:t>。</a:t>
+            </a:r>
+          </a:p>
+        </p:txBody>
+      </p:sp>
+    </p:spTree>
+    <p:extLst>
+      <p:ext uri="{BB962C8B-B14F-4D97-AF65-F5344CB8AC3E}">
+        <p14:creationId xmlns:p14="http://schemas.microsoft.com/office/powerpoint/2010/main" val="2315828445"/>
       </p:ext>
     </p:extLst>
   </p:cSld>

--- a/stimuli/stimuli.pptx
+++ b/stimuli/stimuli.pptx
@@ -9,6 +9,8 @@
     <p:sldId id="257" r:id="rId3"/>
     <p:sldId id="258" r:id="rId4"/>
     <p:sldId id="259" r:id="rId5"/>
+    <p:sldId id="261" r:id="rId6"/>
+    <p:sldId id="260" r:id="rId7"/>
   </p:sldIdLst>
   <p:sldSz cx="9144000" cy="6858000" type="screen4x3"/>
   <p:notesSz cx="6858000" cy="9144000"/>
@@ -246,7 +248,7 @@
           <a:p>
             <a:fld id="{9C6EAF7F-79B7-9248-A98C-B8B95B058FDB}" type="datetimeFigureOut">
               <a:rPr lang="en-US" smtClean="0"/>
-              <a:t>6/12/25</a:t>
+              <a:t>6/13/25</a:t>
             </a:fld>
             <a:endParaRPr lang="en-US"/>
           </a:p>
@@ -416,7 +418,7 @@
           <a:p>
             <a:fld id="{9C6EAF7F-79B7-9248-A98C-B8B95B058FDB}" type="datetimeFigureOut">
               <a:rPr lang="en-US" smtClean="0"/>
-              <a:t>6/12/25</a:t>
+              <a:t>6/13/25</a:t>
             </a:fld>
             <a:endParaRPr lang="en-US"/>
           </a:p>
@@ -596,7 +598,7 @@
           <a:p>
             <a:fld id="{9C6EAF7F-79B7-9248-A98C-B8B95B058FDB}" type="datetimeFigureOut">
               <a:rPr lang="en-US" smtClean="0"/>
-              <a:t>6/12/25</a:t>
+              <a:t>6/13/25</a:t>
             </a:fld>
             <a:endParaRPr lang="en-US"/>
           </a:p>
@@ -766,7 +768,7 @@
           <a:p>
             <a:fld id="{9C6EAF7F-79B7-9248-A98C-B8B95B058FDB}" type="datetimeFigureOut">
               <a:rPr lang="en-US" smtClean="0"/>
-              <a:t>6/12/25</a:t>
+              <a:t>6/13/25</a:t>
             </a:fld>
             <a:endParaRPr lang="en-US"/>
           </a:p>
@@ -1012,7 +1014,7 @@
           <a:p>
             <a:fld id="{9C6EAF7F-79B7-9248-A98C-B8B95B058FDB}" type="datetimeFigureOut">
               <a:rPr lang="en-US" smtClean="0"/>
-              <a:t>6/12/25</a:t>
+              <a:t>6/13/25</a:t>
             </a:fld>
             <a:endParaRPr lang="en-US"/>
           </a:p>
@@ -1244,7 +1246,7 @@
           <a:p>
             <a:fld id="{9C6EAF7F-79B7-9248-A98C-B8B95B058FDB}" type="datetimeFigureOut">
               <a:rPr lang="en-US" smtClean="0"/>
-              <a:t>6/12/25</a:t>
+              <a:t>6/13/25</a:t>
             </a:fld>
             <a:endParaRPr lang="en-US"/>
           </a:p>
@@ -1611,7 +1613,7 @@
           <a:p>
             <a:fld id="{9C6EAF7F-79B7-9248-A98C-B8B95B058FDB}" type="datetimeFigureOut">
               <a:rPr lang="en-US" smtClean="0"/>
-              <a:t>6/12/25</a:t>
+              <a:t>6/13/25</a:t>
             </a:fld>
             <a:endParaRPr lang="en-US"/>
           </a:p>
@@ -1729,7 +1731,7 @@
           <a:p>
             <a:fld id="{9C6EAF7F-79B7-9248-A98C-B8B95B058FDB}" type="datetimeFigureOut">
               <a:rPr lang="en-US" smtClean="0"/>
-              <a:t>6/12/25</a:t>
+              <a:t>6/13/25</a:t>
             </a:fld>
             <a:endParaRPr lang="en-US"/>
           </a:p>
@@ -1824,7 +1826,7 @@
           <a:p>
             <a:fld id="{9C6EAF7F-79B7-9248-A98C-B8B95B058FDB}" type="datetimeFigureOut">
               <a:rPr lang="en-US" smtClean="0"/>
-              <a:t>6/12/25</a:t>
+              <a:t>6/13/25</a:t>
             </a:fld>
             <a:endParaRPr lang="en-US"/>
           </a:p>
@@ -2101,7 +2103,7 @@
           <a:p>
             <a:fld id="{9C6EAF7F-79B7-9248-A98C-B8B95B058FDB}" type="datetimeFigureOut">
               <a:rPr lang="en-US" smtClean="0"/>
-              <a:t>6/12/25</a:t>
+              <a:t>6/13/25</a:t>
             </a:fld>
             <a:endParaRPr lang="en-US"/>
           </a:p>
@@ -2358,7 +2360,7 @@
           <a:p>
             <a:fld id="{9C6EAF7F-79B7-9248-A98C-B8B95B058FDB}" type="datetimeFigureOut">
               <a:rPr lang="en-US" smtClean="0"/>
-              <a:t>6/12/25</a:t>
+              <a:t>6/13/25</a:t>
             </a:fld>
             <a:endParaRPr lang="en-US"/>
           </a:p>
@@ -2574,7 +2576,7 @@
           <a:p>
             <a:fld id="{9C6EAF7F-79B7-9248-A98C-B8B95B058FDB}" type="datetimeFigureOut">
               <a:rPr lang="en-US" smtClean="0"/>
-              <a:t>6/12/25</a:t>
+              <a:t>6/13/25</a:t>
             </a:fld>
             <a:endParaRPr lang="en-US"/>
           </a:p>
@@ -4016,6 +4018,519 @@
     <p:extLst>
       <p:ext uri="{BB962C8B-B14F-4D97-AF65-F5344CB8AC3E}">
         <p14:creationId xmlns:p14="http://schemas.microsoft.com/office/powerpoint/2010/main" val="2315828445"/>
+      </p:ext>
+    </p:extLst>
+  </p:cSld>
+  <p:clrMapOvr>
+    <a:masterClrMapping/>
+  </p:clrMapOvr>
+</p:sld>
+</file>
+
+<file path=ppt/slides/slide5.xml><?xml version="1.0" encoding="utf-8"?>
+<p:sld xmlns:a="http://schemas.openxmlformats.org/drawingml/2006/main" xmlns:r="http://schemas.openxmlformats.org/officeDocument/2006/relationships" xmlns:p="http://schemas.openxmlformats.org/presentationml/2006/main">
+  <p:cSld>
+    <p:spTree>
+      <p:nvGrpSpPr>
+        <p:cNvPr id="1" name=""/>
+        <p:cNvGrpSpPr/>
+        <p:nvPr/>
+      </p:nvGrpSpPr>
+      <p:grpSpPr>
+        <a:xfrm>
+          <a:off x="0" y="0"/>
+          <a:ext cx="0" cy="0"/>
+          <a:chOff x="0" y="0"/>
+          <a:chExt cx="0" cy="0"/>
+        </a:xfrm>
+      </p:grpSpPr>
+      <p:sp>
+        <p:nvSpPr>
+          <p:cNvPr id="2" name="TextBox 1">
+            <a:extLst>
+              <a:ext uri="{FF2B5EF4-FFF2-40B4-BE49-F238E27FC236}">
+                <a16:creationId xmlns:a16="http://schemas.microsoft.com/office/drawing/2014/main" id="{D85022BC-BE81-4110-C4C8-16B709C430C0}"/>
+              </a:ext>
+            </a:extLst>
+          </p:cNvPr>
+          <p:cNvSpPr txBox="1"/>
+          <p:nvPr/>
+        </p:nvSpPr>
+        <p:spPr>
+          <a:xfrm>
+            <a:off x="380631" y="920621"/>
+            <a:ext cx="8382737" cy="5016758"/>
+          </a:xfrm>
+          <a:prstGeom prst="rect">
+            <a:avLst/>
+          </a:prstGeom>
+          <a:noFill/>
+        </p:spPr>
+        <p:txBody>
+          <a:bodyPr wrap="square" rtlCol="0">
+            <a:spAutoFit/>
+          </a:bodyPr>
+          <a:lstStyle/>
+          <a:p>
+            <a:pPr indent="457200"/>
+            <a:r>
+              <a:rPr lang="zh-CN" altLang="en-US" sz="3200" dirty="0">
+                <a:solidFill>
+                  <a:schemeClr val="bg1"/>
+                </a:solidFill>
+                <a:latin typeface="Noto Sans SC" panose="020B0200000000000000" pitchFamily="34" charset="-128"/>
+                <a:ea typeface="Noto Sans SC" panose="020B0200000000000000" pitchFamily="34" charset="-128"/>
+                <a:cs typeface="Arial" panose="020B0604020202020204" pitchFamily="34" charset="0"/>
+              </a:rPr>
+              <a:t>在接下来的扫描中，屏幕上将会依次呈现</a:t>
+            </a:r>
+            <a:r>
+              <a:rPr lang="en-US" altLang="zh-CN" sz="3200" b="1" dirty="0">
+                <a:solidFill>
+                  <a:srgbClr val="FFC000"/>
+                </a:solidFill>
+                <a:latin typeface="Noto Sans SC" panose="020B0200000000000000" pitchFamily="34" charset="-128"/>
+                <a:ea typeface="Noto Sans SC" panose="020B0200000000000000" pitchFamily="34" charset="-128"/>
+                <a:cs typeface="Arial" panose="020B0604020202020204" pitchFamily="34" charset="0"/>
+              </a:rPr>
+              <a:t>4</a:t>
+            </a:r>
+            <a:r>
+              <a:rPr lang="zh-CN" altLang="en-US" sz="3200" b="1" dirty="0">
+                <a:solidFill>
+                  <a:srgbClr val="FFC000"/>
+                </a:solidFill>
+                <a:latin typeface="Noto Sans SC" panose="020B0200000000000000" pitchFamily="34" charset="-128"/>
+                <a:ea typeface="Noto Sans SC" panose="020B0200000000000000" pitchFamily="34" charset="-128"/>
+                <a:cs typeface="Arial" panose="020B0604020202020204" pitchFamily="34" charset="0"/>
+              </a:rPr>
+              <a:t>组</a:t>
+            </a:r>
+            <a:r>
+              <a:rPr lang="zh-CN" altLang="en-US" sz="3200" dirty="0">
+                <a:solidFill>
+                  <a:schemeClr val="bg1"/>
+                </a:solidFill>
+                <a:latin typeface="Noto Sans SC" panose="020B0200000000000000" pitchFamily="34" charset="-128"/>
+                <a:ea typeface="Noto Sans SC" panose="020B0200000000000000" pitchFamily="34" charset="-128"/>
+                <a:cs typeface="Arial" panose="020B0604020202020204" pitchFamily="34" charset="0"/>
+              </a:rPr>
+              <a:t>您之前填写的负面回忆关键词，每组关键词将会显示</a:t>
+            </a:r>
+            <a:r>
+              <a:rPr lang="en-US" altLang="zh-CN" sz="3200" b="1" dirty="0">
+                <a:solidFill>
+                  <a:srgbClr val="FFC000"/>
+                </a:solidFill>
+                <a:latin typeface="Noto Sans SC" panose="020B0200000000000000" pitchFamily="34" charset="-128"/>
+                <a:ea typeface="Noto Sans SC" panose="020B0200000000000000" pitchFamily="34" charset="-128"/>
+                <a:cs typeface="Arial" panose="020B0604020202020204" pitchFamily="34" charset="0"/>
+              </a:rPr>
+              <a:t>2</a:t>
+            </a:r>
+            <a:r>
+              <a:rPr lang="zh-CN" altLang="en-US" sz="3200" b="1" dirty="0">
+                <a:solidFill>
+                  <a:srgbClr val="FFC000"/>
+                </a:solidFill>
+                <a:latin typeface="Noto Sans SC" panose="020B0200000000000000" pitchFamily="34" charset="-128"/>
+                <a:ea typeface="Noto Sans SC" panose="020B0200000000000000" pitchFamily="34" charset="-128"/>
+                <a:cs typeface="Arial" panose="020B0604020202020204" pitchFamily="34" charset="0"/>
+              </a:rPr>
+              <a:t>分钟</a:t>
+            </a:r>
+            <a:r>
+              <a:rPr lang="zh-CN" altLang="en-US" sz="3200" dirty="0">
+                <a:solidFill>
+                  <a:schemeClr val="bg1"/>
+                </a:solidFill>
+                <a:latin typeface="Noto Sans SC" panose="020B0200000000000000" pitchFamily="34" charset="-128"/>
+                <a:ea typeface="Noto Sans SC" panose="020B0200000000000000" pitchFamily="34" charset="-128"/>
+                <a:cs typeface="Arial" panose="020B0604020202020204" pitchFamily="34" charset="0"/>
+              </a:rPr>
+              <a:t>。</a:t>
+            </a:r>
+          </a:p>
+          <a:p>
+            <a:pPr indent="457200"/>
+            <a:endParaRPr lang="zh-CN" altLang="en-US" sz="3200" dirty="0">
+              <a:solidFill>
+                <a:schemeClr val="bg1"/>
+              </a:solidFill>
+              <a:latin typeface="Noto Sans SC" panose="020B0200000000000000" pitchFamily="34" charset="-128"/>
+              <a:ea typeface="Noto Sans SC" panose="020B0200000000000000" pitchFamily="34" charset="-128"/>
+              <a:cs typeface="Arial" panose="020B0604020202020204" pitchFamily="34" charset="0"/>
+            </a:endParaRPr>
+          </a:p>
+          <a:p>
+            <a:pPr indent="457200"/>
+            <a:r>
+              <a:rPr lang="zh-CN" altLang="en-US" sz="3200" dirty="0">
+                <a:solidFill>
+                  <a:schemeClr val="bg1"/>
+                </a:solidFill>
+                <a:latin typeface="Noto Sans SC" panose="020B0200000000000000" pitchFamily="34" charset="-128"/>
+                <a:ea typeface="Noto Sans SC" panose="020B0200000000000000" pitchFamily="34" charset="-128"/>
+                <a:cs typeface="Arial" panose="020B0604020202020204" pitchFamily="34" charset="0"/>
+              </a:rPr>
+              <a:t>请您尽量仔细地回忆当前呈现的关键词所对应的事件的</a:t>
+            </a:r>
+            <a:r>
+              <a:rPr lang="zh-CN" altLang="en-US" sz="3200" b="1" dirty="0">
+                <a:solidFill>
+                  <a:srgbClr val="FFC000"/>
+                </a:solidFill>
+                <a:latin typeface="Noto Sans SC" panose="020B0200000000000000" pitchFamily="34" charset="-128"/>
+                <a:ea typeface="Noto Sans SC" panose="020B0200000000000000" pitchFamily="34" charset="-128"/>
+                <a:cs typeface="Arial" panose="020B0604020202020204" pitchFamily="34" charset="0"/>
+              </a:rPr>
+              <a:t>所有细节</a:t>
+            </a:r>
+            <a:r>
+              <a:rPr lang="zh-CN" altLang="en-US" sz="3200" dirty="0">
+                <a:solidFill>
+                  <a:schemeClr val="bg1"/>
+                </a:solidFill>
+                <a:latin typeface="Noto Sans SC" panose="020B0200000000000000" pitchFamily="34" charset="-128"/>
+                <a:ea typeface="Noto Sans SC" panose="020B0200000000000000" pitchFamily="34" charset="-128"/>
+                <a:cs typeface="Arial" panose="020B0604020202020204" pitchFamily="34" charset="0"/>
+              </a:rPr>
+              <a:t>，就好像您</a:t>
+            </a:r>
+            <a:r>
+              <a:rPr lang="zh-CN" altLang="en-US" sz="3200" b="1" dirty="0">
+                <a:solidFill>
+                  <a:srgbClr val="FFC000"/>
+                </a:solidFill>
+                <a:latin typeface="Noto Sans SC" panose="020B0200000000000000" pitchFamily="34" charset="-128"/>
+                <a:ea typeface="Noto Sans SC" panose="020B0200000000000000" pitchFamily="34" charset="-128"/>
+                <a:cs typeface="Arial" panose="020B0604020202020204" pitchFamily="34" charset="0"/>
+              </a:rPr>
+              <a:t>再次经历</a:t>
+            </a:r>
+            <a:r>
+              <a:rPr lang="zh-CN" altLang="en-US" sz="3200" dirty="0">
+                <a:solidFill>
+                  <a:schemeClr val="bg1"/>
+                </a:solidFill>
+                <a:latin typeface="Noto Sans SC" panose="020B0200000000000000" pitchFamily="34" charset="-128"/>
+                <a:ea typeface="Noto Sans SC" panose="020B0200000000000000" pitchFamily="34" charset="-128"/>
+                <a:cs typeface="Arial" panose="020B0604020202020204" pitchFamily="34" charset="0"/>
+              </a:rPr>
+              <a:t>了那件事一样。在本阶段扫描结束以前</a:t>
+            </a:r>
+            <a:r>
+              <a:rPr lang="zh-CN" altLang="en-US" sz="3200" b="1" dirty="0">
+                <a:solidFill>
+                  <a:srgbClr val="FFC000"/>
+                </a:solidFill>
+                <a:latin typeface="Noto Sans SC" panose="020B0200000000000000" pitchFamily="34" charset="-128"/>
+                <a:ea typeface="Noto Sans SC" panose="020B0200000000000000" pitchFamily="34" charset="-128"/>
+                <a:cs typeface="Arial" panose="020B0604020202020204" pitchFamily="34" charset="0"/>
+              </a:rPr>
+              <a:t>不要停止</a:t>
+            </a:r>
+            <a:r>
+              <a:rPr lang="zh-CN" altLang="en-US" sz="3200" dirty="0">
+                <a:solidFill>
+                  <a:schemeClr val="bg1"/>
+                </a:solidFill>
+                <a:latin typeface="Noto Sans SC" panose="020B0200000000000000" pitchFamily="34" charset="-128"/>
+                <a:ea typeface="Noto Sans SC" panose="020B0200000000000000" pitchFamily="34" charset="-128"/>
+                <a:cs typeface="Arial" panose="020B0604020202020204" pitchFamily="34" charset="0"/>
+              </a:rPr>
+              <a:t>回忆，尽量</a:t>
+            </a:r>
+            <a:r>
+              <a:rPr lang="zh-CN" altLang="en-US" sz="3200" b="1" dirty="0">
+                <a:solidFill>
+                  <a:srgbClr val="FFC000"/>
+                </a:solidFill>
+                <a:latin typeface="Noto Sans SC" panose="020B0200000000000000" pitchFamily="34" charset="-128"/>
+                <a:ea typeface="Noto Sans SC" panose="020B0200000000000000" pitchFamily="34" charset="-128"/>
+                <a:cs typeface="Arial" panose="020B0604020202020204" pitchFamily="34" charset="0"/>
+              </a:rPr>
+              <a:t>不要闭上眼睛</a:t>
+            </a:r>
+            <a:r>
+              <a:rPr lang="zh-CN" altLang="en-US" sz="3200" dirty="0">
+                <a:solidFill>
+                  <a:schemeClr val="bg1"/>
+                </a:solidFill>
+                <a:latin typeface="Noto Sans SC" panose="020B0200000000000000" pitchFamily="34" charset="-128"/>
+                <a:ea typeface="Noto Sans SC" panose="020B0200000000000000" pitchFamily="34" charset="-128"/>
+                <a:cs typeface="Arial" panose="020B0604020202020204" pitchFamily="34" charset="0"/>
+              </a:rPr>
+              <a:t>。</a:t>
+            </a:r>
+          </a:p>
+          <a:p>
+            <a:pPr indent="457200"/>
+            <a:endParaRPr lang="zh-CN" altLang="en-US" sz="3200" dirty="0">
+              <a:solidFill>
+                <a:schemeClr val="bg1"/>
+              </a:solidFill>
+              <a:latin typeface="Noto Sans SC" panose="020B0200000000000000" pitchFamily="34" charset="-128"/>
+              <a:ea typeface="Noto Sans SC" panose="020B0200000000000000" pitchFamily="34" charset="-128"/>
+              <a:cs typeface="Arial" panose="020B0604020202020204" pitchFamily="34" charset="0"/>
+            </a:endParaRPr>
+          </a:p>
+          <a:p>
+            <a:pPr indent="457200"/>
+            <a:r>
+              <a:rPr lang="zh-CN" altLang="en-US" sz="3200" dirty="0">
+                <a:solidFill>
+                  <a:schemeClr val="bg1"/>
+                </a:solidFill>
+                <a:latin typeface="Noto Sans SC" panose="020B0200000000000000" pitchFamily="34" charset="-128"/>
+                <a:ea typeface="Noto Sans SC" panose="020B0200000000000000" pitchFamily="34" charset="-128"/>
+                <a:cs typeface="Arial" panose="020B0604020202020204" pitchFamily="34" charset="0"/>
+              </a:rPr>
+              <a:t>如果您明白了，请按</a:t>
+            </a:r>
+            <a:r>
+              <a:rPr lang="zh-CN" altLang="en-US" sz="3200" b="1" dirty="0">
+                <a:solidFill>
+                  <a:srgbClr val="FFC000"/>
+                </a:solidFill>
+                <a:latin typeface="Noto Sans SC" panose="020B0200000000000000" pitchFamily="34" charset="-128"/>
+                <a:ea typeface="Noto Sans SC" panose="020B0200000000000000" pitchFamily="34" charset="-128"/>
+                <a:cs typeface="Arial" panose="020B0604020202020204" pitchFamily="34" charset="0"/>
+              </a:rPr>
+              <a:t>右手边</a:t>
+            </a:r>
+            <a:r>
+              <a:rPr lang="zh-CN" altLang="en-US" sz="3200" dirty="0">
+                <a:solidFill>
+                  <a:schemeClr val="bg1"/>
+                </a:solidFill>
+                <a:latin typeface="Noto Sans SC" panose="020B0200000000000000" pitchFamily="34" charset="-128"/>
+                <a:ea typeface="Noto Sans SC" panose="020B0200000000000000" pitchFamily="34" charset="-128"/>
+                <a:cs typeface="Arial" panose="020B0604020202020204" pitchFamily="34" charset="0"/>
+              </a:rPr>
+              <a:t>的按键</a:t>
+            </a:r>
+            <a:r>
+              <a:rPr lang="zh-CN" altLang="en-US" sz="3200" b="1" dirty="0">
+                <a:solidFill>
+                  <a:srgbClr val="FFC000"/>
+                </a:solidFill>
+                <a:latin typeface="Noto Sans SC" panose="020B0200000000000000" pitchFamily="34" charset="-128"/>
+                <a:ea typeface="Noto Sans SC" panose="020B0200000000000000" pitchFamily="34" charset="-128"/>
+                <a:cs typeface="Arial" panose="020B0604020202020204" pitchFamily="34" charset="0"/>
+              </a:rPr>
+              <a:t>继续</a:t>
+            </a:r>
+            <a:r>
+              <a:rPr lang="zh-CN" altLang="en-US" sz="3200" dirty="0">
+                <a:solidFill>
+                  <a:schemeClr val="bg1"/>
+                </a:solidFill>
+                <a:latin typeface="Noto Sans SC" panose="020B0200000000000000" pitchFamily="34" charset="-128"/>
+                <a:ea typeface="Noto Sans SC" panose="020B0200000000000000" pitchFamily="34" charset="-128"/>
+                <a:cs typeface="Arial" panose="020B0604020202020204" pitchFamily="34" charset="0"/>
+              </a:rPr>
+              <a:t>。</a:t>
+            </a:r>
+          </a:p>
+        </p:txBody>
+      </p:sp>
+    </p:spTree>
+    <p:extLst>
+      <p:ext uri="{BB962C8B-B14F-4D97-AF65-F5344CB8AC3E}">
+        <p14:creationId xmlns:p14="http://schemas.microsoft.com/office/powerpoint/2010/main" val="3085493259"/>
+      </p:ext>
+    </p:extLst>
+  </p:cSld>
+  <p:clrMapOvr>
+    <a:masterClrMapping/>
+  </p:clrMapOvr>
+</p:sld>
+</file>
+
+<file path=ppt/slides/slide6.xml><?xml version="1.0" encoding="utf-8"?>
+<p:sld xmlns:a="http://schemas.openxmlformats.org/drawingml/2006/main" xmlns:r="http://schemas.openxmlformats.org/officeDocument/2006/relationships" xmlns:p="http://schemas.openxmlformats.org/presentationml/2006/main">
+  <p:cSld>
+    <p:spTree>
+      <p:nvGrpSpPr>
+        <p:cNvPr id="1" name=""/>
+        <p:cNvGrpSpPr/>
+        <p:nvPr/>
+      </p:nvGrpSpPr>
+      <p:grpSpPr>
+        <a:xfrm>
+          <a:off x="0" y="0"/>
+          <a:ext cx="0" cy="0"/>
+          <a:chOff x="0" y="0"/>
+          <a:chExt cx="0" cy="0"/>
+        </a:xfrm>
+      </p:grpSpPr>
+      <p:sp>
+        <p:nvSpPr>
+          <p:cNvPr id="2" name="TextBox 1">
+            <a:extLst>
+              <a:ext uri="{FF2B5EF4-FFF2-40B4-BE49-F238E27FC236}">
+                <a16:creationId xmlns:a16="http://schemas.microsoft.com/office/drawing/2014/main" id="{234C2256-ABD2-47F9-89DD-712F9376DC72}"/>
+              </a:ext>
+            </a:extLst>
+          </p:cNvPr>
+          <p:cNvSpPr txBox="1"/>
+          <p:nvPr/>
+        </p:nvSpPr>
+        <p:spPr>
+          <a:xfrm>
+            <a:off x="380631" y="428178"/>
+            <a:ext cx="8382737" cy="6001643"/>
+          </a:xfrm>
+          <a:prstGeom prst="rect">
+            <a:avLst/>
+          </a:prstGeom>
+          <a:noFill/>
+        </p:spPr>
+        <p:txBody>
+          <a:bodyPr wrap="square" rtlCol="0">
+            <a:spAutoFit/>
+          </a:bodyPr>
+          <a:lstStyle/>
+          <a:p>
+            <a:pPr indent="457200"/>
+            <a:r>
+              <a:rPr lang="zh-CN" altLang="en-US" sz="3200" dirty="0">
+                <a:solidFill>
+                  <a:schemeClr val="bg1"/>
+                </a:solidFill>
+                <a:latin typeface="Noto Sans SC" panose="020B0200000000000000" pitchFamily="34" charset="-128"/>
+                <a:ea typeface="Noto Sans SC" panose="020B0200000000000000" pitchFamily="34" charset="-128"/>
+                <a:cs typeface="Arial" panose="020B0604020202020204" pitchFamily="34" charset="0"/>
+              </a:rPr>
+              <a:t>在接下来的扫描中，屏幕上将会依次呈现</a:t>
+            </a:r>
+            <a:r>
+              <a:rPr lang="en-US" altLang="zh-CN" sz="3200" dirty="0">
+                <a:solidFill>
+                  <a:schemeClr val="bg1"/>
+                </a:solidFill>
+                <a:latin typeface="Noto Sans SC" panose="020B0200000000000000" pitchFamily="34" charset="-128"/>
+                <a:ea typeface="Noto Sans SC" panose="020B0200000000000000" pitchFamily="34" charset="-128"/>
+                <a:cs typeface="Arial" panose="020B0604020202020204" pitchFamily="34" charset="0"/>
+              </a:rPr>
+              <a:t>4</a:t>
+            </a:r>
+            <a:r>
+              <a:rPr lang="zh-CN" altLang="en-US" sz="3200" dirty="0">
+                <a:solidFill>
+                  <a:schemeClr val="bg1"/>
+                </a:solidFill>
+                <a:latin typeface="Noto Sans SC" panose="020B0200000000000000" pitchFamily="34" charset="-128"/>
+                <a:ea typeface="Noto Sans SC" panose="020B0200000000000000" pitchFamily="34" charset="-128"/>
+                <a:cs typeface="Arial" panose="020B0604020202020204" pitchFamily="34" charset="0"/>
+              </a:rPr>
+              <a:t>个提示，每个提示持续</a:t>
+            </a:r>
+            <a:r>
+              <a:rPr lang="en-US" altLang="zh-CN" sz="3200" dirty="0">
+                <a:solidFill>
+                  <a:schemeClr val="bg1"/>
+                </a:solidFill>
+                <a:latin typeface="Noto Sans SC" panose="020B0200000000000000" pitchFamily="34" charset="-128"/>
+                <a:ea typeface="Noto Sans SC" panose="020B0200000000000000" pitchFamily="34" charset="-128"/>
+                <a:cs typeface="Arial" panose="020B0604020202020204" pitchFamily="34" charset="0"/>
+              </a:rPr>
+              <a:t>2</a:t>
+            </a:r>
+            <a:r>
+              <a:rPr lang="zh-CN" altLang="en-US" sz="3200" dirty="0">
+                <a:solidFill>
+                  <a:schemeClr val="bg1"/>
+                </a:solidFill>
+                <a:latin typeface="Noto Sans SC" panose="020B0200000000000000" pitchFamily="34" charset="-128"/>
+                <a:ea typeface="Noto Sans SC" panose="020B0200000000000000" pitchFamily="34" charset="-128"/>
+                <a:cs typeface="Arial" panose="020B0604020202020204" pitchFamily="34" charset="0"/>
+              </a:rPr>
+              <a:t>分钟。     </a:t>
+            </a:r>
+          </a:p>
+          <a:p>
+            <a:pPr indent="457200"/>
+            <a:endParaRPr lang="zh-CN" altLang="en-US" sz="3200" dirty="0">
+              <a:solidFill>
+                <a:schemeClr val="bg1"/>
+              </a:solidFill>
+              <a:latin typeface="Noto Sans SC" panose="020B0200000000000000" pitchFamily="34" charset="-128"/>
+              <a:ea typeface="Noto Sans SC" panose="020B0200000000000000" pitchFamily="34" charset="-128"/>
+              <a:cs typeface="Arial" panose="020B0604020202020204" pitchFamily="34" charset="0"/>
+            </a:endParaRPr>
+          </a:p>
+          <a:p>
+            <a:pPr indent="457200"/>
+            <a:r>
+              <a:rPr lang="zh-CN" altLang="en-US" sz="3200" dirty="0">
+                <a:solidFill>
+                  <a:schemeClr val="bg1"/>
+                </a:solidFill>
+                <a:latin typeface="Noto Sans SC" panose="020B0200000000000000" pitchFamily="34" charset="-128"/>
+                <a:ea typeface="Noto Sans SC" panose="020B0200000000000000" pitchFamily="34" charset="-128"/>
+                <a:cs typeface="Arial" panose="020B0604020202020204" pitchFamily="34" charset="0"/>
+              </a:rPr>
+              <a:t>请您根据当前呈现的提示仔细思考一下刚才的负面回忆，并想想它可能的原因以及后果。在本阶段扫描结束以前不要停止思考，尽量不要闭上眼睛。</a:t>
+            </a:r>
+          </a:p>
+          <a:p>
+            <a:pPr indent="457200"/>
+            <a:endParaRPr lang="zh-CN" altLang="en-US" sz="3200" dirty="0">
+              <a:solidFill>
+                <a:schemeClr val="bg1"/>
+              </a:solidFill>
+              <a:latin typeface="Noto Sans SC" panose="020B0200000000000000" pitchFamily="34" charset="-128"/>
+              <a:ea typeface="Noto Sans SC" panose="020B0200000000000000" pitchFamily="34" charset="-128"/>
+              <a:cs typeface="Arial" panose="020B0604020202020204" pitchFamily="34" charset="0"/>
+            </a:endParaRPr>
+          </a:p>
+          <a:p>
+            <a:pPr indent="457200"/>
+            <a:r>
+              <a:rPr lang="zh-CN" altLang="en-US" sz="3200" dirty="0">
+                <a:solidFill>
+                  <a:schemeClr val="bg1"/>
+                </a:solidFill>
+                <a:latin typeface="Noto Sans SC" panose="020B0200000000000000" pitchFamily="34" charset="-128"/>
+                <a:ea typeface="Noto Sans SC" panose="020B0200000000000000" pitchFamily="34" charset="-128"/>
+                <a:cs typeface="Arial" panose="020B0604020202020204" pitchFamily="34" charset="0"/>
+              </a:rPr>
+              <a:t>如果您发现自己走神了，请立刻按任意键，并继续完成任务。</a:t>
+            </a:r>
+          </a:p>
+          <a:p>
+            <a:pPr indent="457200"/>
+            <a:endParaRPr lang="zh-CN" altLang="en-US" sz="3200" dirty="0">
+              <a:solidFill>
+                <a:schemeClr val="bg1"/>
+              </a:solidFill>
+              <a:latin typeface="Noto Sans SC" panose="020B0200000000000000" pitchFamily="34" charset="-128"/>
+              <a:ea typeface="Noto Sans SC" panose="020B0200000000000000" pitchFamily="34" charset="-128"/>
+              <a:cs typeface="Arial" panose="020B0604020202020204" pitchFamily="34" charset="0"/>
+            </a:endParaRPr>
+          </a:p>
+          <a:p>
+            <a:pPr indent="457200"/>
+            <a:r>
+              <a:rPr lang="zh-CN" altLang="en-US" sz="3200" dirty="0">
+                <a:solidFill>
+                  <a:schemeClr val="bg1"/>
+                </a:solidFill>
+                <a:latin typeface="Noto Sans SC" panose="020B0200000000000000" pitchFamily="34" charset="-128"/>
+                <a:ea typeface="Noto Sans SC" panose="020B0200000000000000" pitchFamily="34" charset="-128"/>
+                <a:cs typeface="Arial" panose="020B0604020202020204" pitchFamily="34" charset="0"/>
+              </a:rPr>
+              <a:t>如果您没有问题，请按右手边的按键继续。</a:t>
+            </a:r>
+          </a:p>
+        </p:txBody>
+      </p:sp>
+    </p:spTree>
+    <p:extLst>
+      <p:ext uri="{BB962C8B-B14F-4D97-AF65-F5344CB8AC3E}">
+        <p14:creationId xmlns:p14="http://schemas.microsoft.com/office/powerpoint/2010/main" val="2737944394"/>
       </p:ext>
     </p:extLst>
   </p:cSld>

--- a/stimuli/stimuli.pptx
+++ b/stimuli/stimuli.pptx
@@ -11,6 +11,15 @@
     <p:sldId id="259" r:id="rId5"/>
     <p:sldId id="261" r:id="rId6"/>
     <p:sldId id="260" r:id="rId7"/>
+    <p:sldId id="266" r:id="rId8"/>
+    <p:sldId id="262" r:id="rId9"/>
+    <p:sldId id="263" r:id="rId10"/>
+    <p:sldId id="264" r:id="rId11"/>
+    <p:sldId id="265" r:id="rId12"/>
+    <p:sldId id="267" r:id="rId13"/>
+    <p:sldId id="268" r:id="rId14"/>
+    <p:sldId id="269" r:id="rId15"/>
+    <p:sldId id="270" r:id="rId16"/>
   </p:sldIdLst>
   <p:sldSz cx="9144000" cy="6858000" type="screen4x3"/>
   <p:notesSz cx="6858000" cy="9144000"/>
@@ -111,7 +120,18 @@
   </p:defaultTextStyle>
   <p:extLst>
     <p:ext uri="{EFAFB233-063F-42B5-8137-9DF3F51BA10A}">
-      <p15:sldGuideLst xmlns:p15="http://schemas.microsoft.com/office/powerpoint/2012/main"/>
+      <p15:sldGuideLst xmlns:p15="http://schemas.microsoft.com/office/powerpoint/2012/main">
+        <p15:guide id="1" orient="horz" pos="2160" userDrawn="1">
+          <p15:clr>
+            <a:srgbClr val="A4A3A4"/>
+          </p15:clr>
+        </p15:guide>
+        <p15:guide id="2" pos="2880" userDrawn="1">
+          <p15:clr>
+            <a:srgbClr val="A4A3A4"/>
+          </p15:clr>
+        </p15:guide>
+      </p15:sldGuideLst>
     </p:ext>
   </p:extLst>
 </p:presentation>
@@ -248,7 +268,7 @@
           <a:p>
             <a:fld id="{9C6EAF7F-79B7-9248-A98C-B8B95B058FDB}" type="datetimeFigureOut">
               <a:rPr lang="en-US" smtClean="0"/>
-              <a:t>6/13/25</a:t>
+              <a:t>6/16/25</a:t>
             </a:fld>
             <a:endParaRPr lang="en-US"/>
           </a:p>
@@ -418,7 +438,7 @@
           <a:p>
             <a:fld id="{9C6EAF7F-79B7-9248-A98C-B8B95B058FDB}" type="datetimeFigureOut">
               <a:rPr lang="en-US" smtClean="0"/>
-              <a:t>6/13/25</a:t>
+              <a:t>6/16/25</a:t>
             </a:fld>
             <a:endParaRPr lang="en-US"/>
           </a:p>
@@ -598,7 +618,7 @@
           <a:p>
             <a:fld id="{9C6EAF7F-79B7-9248-A98C-B8B95B058FDB}" type="datetimeFigureOut">
               <a:rPr lang="en-US" smtClean="0"/>
-              <a:t>6/13/25</a:t>
+              <a:t>6/16/25</a:t>
             </a:fld>
             <a:endParaRPr lang="en-US"/>
           </a:p>
@@ -768,7 +788,7 @@
           <a:p>
             <a:fld id="{9C6EAF7F-79B7-9248-A98C-B8B95B058FDB}" type="datetimeFigureOut">
               <a:rPr lang="en-US" smtClean="0"/>
-              <a:t>6/13/25</a:t>
+              <a:t>6/16/25</a:t>
             </a:fld>
             <a:endParaRPr lang="en-US"/>
           </a:p>
@@ -1014,7 +1034,7 @@
           <a:p>
             <a:fld id="{9C6EAF7F-79B7-9248-A98C-B8B95B058FDB}" type="datetimeFigureOut">
               <a:rPr lang="en-US" smtClean="0"/>
-              <a:t>6/13/25</a:t>
+              <a:t>6/16/25</a:t>
             </a:fld>
             <a:endParaRPr lang="en-US"/>
           </a:p>
@@ -1246,7 +1266,7 @@
           <a:p>
             <a:fld id="{9C6EAF7F-79B7-9248-A98C-B8B95B058FDB}" type="datetimeFigureOut">
               <a:rPr lang="en-US" smtClean="0"/>
-              <a:t>6/13/25</a:t>
+              <a:t>6/16/25</a:t>
             </a:fld>
             <a:endParaRPr lang="en-US"/>
           </a:p>
@@ -1613,7 +1633,7 @@
           <a:p>
             <a:fld id="{9C6EAF7F-79B7-9248-A98C-B8B95B058FDB}" type="datetimeFigureOut">
               <a:rPr lang="en-US" smtClean="0"/>
-              <a:t>6/13/25</a:t>
+              <a:t>6/16/25</a:t>
             </a:fld>
             <a:endParaRPr lang="en-US"/>
           </a:p>
@@ -1731,7 +1751,7 @@
           <a:p>
             <a:fld id="{9C6EAF7F-79B7-9248-A98C-B8B95B058FDB}" type="datetimeFigureOut">
               <a:rPr lang="en-US" smtClean="0"/>
-              <a:t>6/13/25</a:t>
+              <a:t>6/16/25</a:t>
             </a:fld>
             <a:endParaRPr lang="en-US"/>
           </a:p>
@@ -1826,7 +1846,7 @@
           <a:p>
             <a:fld id="{9C6EAF7F-79B7-9248-A98C-B8B95B058FDB}" type="datetimeFigureOut">
               <a:rPr lang="en-US" smtClean="0"/>
-              <a:t>6/13/25</a:t>
+              <a:t>6/16/25</a:t>
             </a:fld>
             <a:endParaRPr lang="en-US"/>
           </a:p>
@@ -2103,7 +2123,7 @@
           <a:p>
             <a:fld id="{9C6EAF7F-79B7-9248-A98C-B8B95B058FDB}" type="datetimeFigureOut">
               <a:rPr lang="en-US" smtClean="0"/>
-              <a:t>6/13/25</a:t>
+              <a:t>6/16/25</a:t>
             </a:fld>
             <a:endParaRPr lang="en-US"/>
           </a:p>
@@ -2360,7 +2380,7 @@
           <a:p>
             <a:fld id="{9C6EAF7F-79B7-9248-A98C-B8B95B058FDB}" type="datetimeFigureOut">
               <a:rPr lang="en-US" smtClean="0"/>
-              <a:t>6/13/25</a:t>
+              <a:t>6/16/25</a:t>
             </a:fld>
             <a:endParaRPr lang="en-US"/>
           </a:p>
@@ -2576,7 +2596,7 @@
           <a:p>
             <a:fld id="{9C6EAF7F-79B7-9248-A98C-B8B95B058FDB}" type="datetimeFigureOut">
               <a:rPr lang="en-US" smtClean="0"/>
-              <a:t>6/13/25</a:t>
+              <a:t>6/16/25</a:t>
             </a:fld>
             <a:endParaRPr lang="en-US"/>
           </a:p>
@@ -3307,6 +3327,810 @@
 </p:sld>
 </file>
 
+<file path=ppt/slides/slide10.xml><?xml version="1.0" encoding="utf-8"?>
+<p:sld xmlns:a="http://schemas.openxmlformats.org/drawingml/2006/main" xmlns:r="http://schemas.openxmlformats.org/officeDocument/2006/relationships" xmlns:p="http://schemas.openxmlformats.org/presentationml/2006/main">
+  <p:cSld>
+    <p:spTree>
+      <p:nvGrpSpPr>
+        <p:cNvPr id="1" name="">
+          <a:extLst>
+            <a:ext uri="{FF2B5EF4-FFF2-40B4-BE49-F238E27FC236}">
+              <a16:creationId xmlns:a16="http://schemas.microsoft.com/office/drawing/2014/main" id="{5124BA00-27DE-6E9C-6D3B-F20554A1373B}"/>
+            </a:ext>
+          </a:extLst>
+        </p:cNvPr>
+        <p:cNvGrpSpPr/>
+        <p:nvPr/>
+      </p:nvGrpSpPr>
+      <p:grpSpPr>
+        <a:xfrm>
+          <a:off x="0" y="0"/>
+          <a:ext cx="0" cy="0"/>
+          <a:chOff x="0" y="0"/>
+          <a:chExt cx="0" cy="0"/>
+        </a:xfrm>
+      </p:grpSpPr>
+      <p:sp>
+        <p:nvSpPr>
+          <p:cNvPr id="3" name="矩形 2">
+            <a:extLst>
+              <a:ext uri="{FF2B5EF4-FFF2-40B4-BE49-F238E27FC236}">
+                <a16:creationId xmlns:a16="http://schemas.microsoft.com/office/drawing/2014/main" id="{0E173F2F-6C4D-93D3-E246-EA0AE353766C}"/>
+              </a:ext>
+            </a:extLst>
+          </p:cNvPr>
+          <p:cNvSpPr/>
+          <p:nvPr/>
+        </p:nvSpPr>
+        <p:spPr>
+          <a:xfrm>
+            <a:off x="403943" y="558761"/>
+            <a:ext cx="1826141" cy="940579"/>
+          </a:xfrm>
+          <a:prstGeom prst="rect">
+            <a:avLst/>
+          </a:prstGeom>
+        </p:spPr>
+        <p:txBody>
+          <a:bodyPr wrap="none">
+            <a:spAutoFit/>
+          </a:bodyPr>
+          <a:lstStyle/>
+          <a:p>
+            <a:pPr algn="just">
+              <a:lnSpc>
+                <a:spcPct val="200000"/>
+              </a:lnSpc>
+            </a:pPr>
+            <a:r>
+              <a:rPr kumimoji="1" lang="zh-CN" altLang="en-US" sz="3200" dirty="0">
+                <a:solidFill>
+                  <a:schemeClr val="bg1"/>
+                </a:solidFill>
+                <a:latin typeface="Noto Sans SC" panose="020B0200000000000000" pitchFamily="34" charset="-128"/>
+                <a:ea typeface="Noto Sans SC" panose="020B0200000000000000" pitchFamily="34" charset="-128"/>
+              </a:rPr>
+              <a:t>想一想：</a:t>
+            </a:r>
+            <a:endParaRPr kumimoji="1" lang="en-US" altLang="zh-CN" sz="3200" dirty="0">
+              <a:solidFill>
+                <a:schemeClr val="bg1"/>
+              </a:solidFill>
+              <a:latin typeface="Noto Sans SC" panose="020B0200000000000000" pitchFamily="34" charset="-128"/>
+              <a:ea typeface="Noto Sans SC" panose="020B0200000000000000" pitchFamily="34" charset="-128"/>
+            </a:endParaRPr>
+          </a:p>
+        </p:txBody>
+      </p:sp>
+      <p:sp>
+        <p:nvSpPr>
+          <p:cNvPr id="4" name="文本框 3">
+            <a:extLst>
+              <a:ext uri="{FF2B5EF4-FFF2-40B4-BE49-F238E27FC236}">
+                <a16:creationId xmlns:a16="http://schemas.microsoft.com/office/drawing/2014/main" id="{A9ABB3B3-C298-2CC8-E938-2AF1CB44234A}"/>
+              </a:ext>
+            </a:extLst>
+          </p:cNvPr>
+          <p:cNvSpPr txBox="1"/>
+          <p:nvPr/>
+        </p:nvSpPr>
+        <p:spPr>
+          <a:xfrm>
+            <a:off x="588818" y="2351685"/>
+            <a:ext cx="8233064" cy="2141548"/>
+          </a:xfrm>
+          <a:prstGeom prst="rect">
+            <a:avLst/>
+          </a:prstGeom>
+          <a:noFill/>
+        </p:spPr>
+        <p:txBody>
+          <a:bodyPr wrap="square" rtlCol="0">
+            <a:spAutoFit/>
+          </a:bodyPr>
+          <a:lstStyle/>
+          <a:p>
+            <a:pPr>
+              <a:lnSpc>
+                <a:spcPct val="200000"/>
+              </a:lnSpc>
+            </a:pPr>
+            <a:r>
+              <a:rPr kumimoji="1" lang="zh-CN" altLang="en-US" sz="3600" dirty="0">
+                <a:solidFill>
+                  <a:schemeClr val="bg1"/>
+                </a:solidFill>
+                <a:latin typeface="Noto Sans SC" panose="020B0200000000000000" pitchFamily="34" charset="-128"/>
+                <a:ea typeface="Noto Sans SC" panose="020B0200000000000000" pitchFamily="34" charset="-128"/>
+              </a:rPr>
+              <a:t>为什么刚才的那些负面回忆偏偏发生在我的身上，而不是别人？</a:t>
+            </a:r>
+          </a:p>
+        </p:txBody>
+      </p:sp>
+    </p:spTree>
+    <p:extLst>
+      <p:ext uri="{BB962C8B-B14F-4D97-AF65-F5344CB8AC3E}">
+        <p14:creationId xmlns:p14="http://schemas.microsoft.com/office/powerpoint/2010/main" val="856615829"/>
+      </p:ext>
+    </p:extLst>
+  </p:cSld>
+  <p:clrMapOvr>
+    <a:masterClrMapping/>
+  </p:clrMapOvr>
+</p:sld>
+</file>
+
+<file path=ppt/slides/slide11.xml><?xml version="1.0" encoding="utf-8"?>
+<p:sld xmlns:a="http://schemas.openxmlformats.org/drawingml/2006/main" xmlns:r="http://schemas.openxmlformats.org/officeDocument/2006/relationships" xmlns:p="http://schemas.openxmlformats.org/presentationml/2006/main">
+  <p:cSld>
+    <p:spTree>
+      <p:nvGrpSpPr>
+        <p:cNvPr id="1" name="">
+          <a:extLst>
+            <a:ext uri="{FF2B5EF4-FFF2-40B4-BE49-F238E27FC236}">
+              <a16:creationId xmlns:a16="http://schemas.microsoft.com/office/drawing/2014/main" id="{FBC7DEF6-45D6-C970-ACB1-15A9A22B55DA}"/>
+            </a:ext>
+          </a:extLst>
+        </p:cNvPr>
+        <p:cNvGrpSpPr/>
+        <p:nvPr/>
+      </p:nvGrpSpPr>
+      <p:grpSpPr>
+        <a:xfrm>
+          <a:off x="0" y="0"/>
+          <a:ext cx="0" cy="0"/>
+          <a:chOff x="0" y="0"/>
+          <a:chExt cx="0" cy="0"/>
+        </a:xfrm>
+      </p:grpSpPr>
+      <p:sp>
+        <p:nvSpPr>
+          <p:cNvPr id="3" name="矩形 2">
+            <a:extLst>
+              <a:ext uri="{FF2B5EF4-FFF2-40B4-BE49-F238E27FC236}">
+                <a16:creationId xmlns:a16="http://schemas.microsoft.com/office/drawing/2014/main" id="{5222239B-EB82-27DF-22F8-B6544D97E9B5}"/>
+              </a:ext>
+            </a:extLst>
+          </p:cNvPr>
+          <p:cNvSpPr/>
+          <p:nvPr/>
+        </p:nvSpPr>
+        <p:spPr>
+          <a:xfrm>
+            <a:off x="403943" y="558761"/>
+            <a:ext cx="1826141" cy="940579"/>
+          </a:xfrm>
+          <a:prstGeom prst="rect">
+            <a:avLst/>
+          </a:prstGeom>
+        </p:spPr>
+        <p:txBody>
+          <a:bodyPr wrap="none">
+            <a:spAutoFit/>
+          </a:bodyPr>
+          <a:lstStyle/>
+          <a:p>
+            <a:pPr algn="just">
+              <a:lnSpc>
+                <a:spcPct val="200000"/>
+              </a:lnSpc>
+            </a:pPr>
+            <a:r>
+              <a:rPr kumimoji="1" lang="zh-CN" altLang="en-US" sz="3200" dirty="0">
+                <a:solidFill>
+                  <a:schemeClr val="bg1"/>
+                </a:solidFill>
+                <a:latin typeface="Noto Sans SC" panose="020B0200000000000000" pitchFamily="34" charset="-128"/>
+                <a:ea typeface="Noto Sans SC" panose="020B0200000000000000" pitchFamily="34" charset="-128"/>
+              </a:rPr>
+              <a:t>想一想：</a:t>
+            </a:r>
+            <a:endParaRPr kumimoji="1" lang="en-US" altLang="zh-CN" sz="3200" dirty="0">
+              <a:solidFill>
+                <a:schemeClr val="bg1"/>
+              </a:solidFill>
+              <a:latin typeface="Noto Sans SC" panose="020B0200000000000000" pitchFamily="34" charset="-128"/>
+              <a:ea typeface="Noto Sans SC" panose="020B0200000000000000" pitchFamily="34" charset="-128"/>
+            </a:endParaRPr>
+          </a:p>
+        </p:txBody>
+      </p:sp>
+      <p:sp>
+        <p:nvSpPr>
+          <p:cNvPr id="4" name="文本框 3">
+            <a:extLst>
+              <a:ext uri="{FF2B5EF4-FFF2-40B4-BE49-F238E27FC236}">
+                <a16:creationId xmlns:a16="http://schemas.microsoft.com/office/drawing/2014/main" id="{DFB72E36-A215-1A1F-072A-D734FD8F3BD3}"/>
+              </a:ext>
+            </a:extLst>
+          </p:cNvPr>
+          <p:cNvSpPr txBox="1"/>
+          <p:nvPr/>
+        </p:nvSpPr>
+        <p:spPr>
+          <a:xfrm>
+            <a:off x="588818" y="2351685"/>
+            <a:ext cx="8233064" cy="2141548"/>
+          </a:xfrm>
+          <a:prstGeom prst="rect">
+            <a:avLst/>
+          </a:prstGeom>
+          <a:noFill/>
+        </p:spPr>
+        <p:txBody>
+          <a:bodyPr wrap="square" rtlCol="0">
+            <a:spAutoFit/>
+          </a:bodyPr>
+          <a:lstStyle/>
+          <a:p>
+            <a:pPr>
+              <a:lnSpc>
+                <a:spcPct val="200000"/>
+              </a:lnSpc>
+            </a:pPr>
+            <a:r>
+              <a:rPr kumimoji="1" lang="zh-CN" altLang="en-US" sz="3600" dirty="0">
+                <a:solidFill>
+                  <a:schemeClr val="bg1"/>
+                </a:solidFill>
+                <a:latin typeface="Noto Sans SC" panose="020B0200000000000000" pitchFamily="34" charset="-128"/>
+                <a:ea typeface="Noto Sans SC" panose="020B0200000000000000" pitchFamily="34" charset="-128"/>
+              </a:rPr>
+              <a:t>在刚才的那些负面回忆中，我为什么不能把事情处理得更好？</a:t>
+            </a:r>
+          </a:p>
+        </p:txBody>
+      </p:sp>
+    </p:spTree>
+    <p:extLst>
+      <p:ext uri="{BB962C8B-B14F-4D97-AF65-F5344CB8AC3E}">
+        <p14:creationId xmlns:p14="http://schemas.microsoft.com/office/powerpoint/2010/main" val="3462607020"/>
+      </p:ext>
+    </p:extLst>
+  </p:cSld>
+  <p:clrMapOvr>
+    <a:masterClrMapping/>
+  </p:clrMapOvr>
+</p:sld>
+</file>
+
+<file path=ppt/slides/slide12.xml><?xml version="1.0" encoding="utf-8"?>
+<p:sld xmlns:a="http://schemas.openxmlformats.org/drawingml/2006/main" xmlns:r="http://schemas.openxmlformats.org/officeDocument/2006/relationships" xmlns:p="http://schemas.openxmlformats.org/presentationml/2006/main">
+  <p:cSld>
+    <p:spTree>
+      <p:nvGrpSpPr>
+        <p:cNvPr id="1" name="">
+          <a:extLst>
+            <a:ext uri="{FF2B5EF4-FFF2-40B4-BE49-F238E27FC236}">
+              <a16:creationId xmlns:a16="http://schemas.microsoft.com/office/drawing/2014/main" id="{65D9B913-87E8-14B4-A6ED-726C607D7361}"/>
+            </a:ext>
+          </a:extLst>
+        </p:cNvPr>
+        <p:cNvGrpSpPr/>
+        <p:nvPr/>
+      </p:nvGrpSpPr>
+      <p:grpSpPr>
+        <a:xfrm>
+          <a:off x="0" y="0"/>
+          <a:ext cx="0" cy="0"/>
+          <a:chOff x="0" y="0"/>
+          <a:chExt cx="0" cy="0"/>
+        </a:xfrm>
+      </p:grpSpPr>
+      <p:sp>
+        <p:nvSpPr>
+          <p:cNvPr id="3" name="矩形 2">
+            <a:extLst>
+              <a:ext uri="{FF2B5EF4-FFF2-40B4-BE49-F238E27FC236}">
+                <a16:creationId xmlns:a16="http://schemas.microsoft.com/office/drawing/2014/main" id="{B4CB3422-CD0C-80C4-6E34-64CE236B00B8}"/>
+              </a:ext>
+            </a:extLst>
+          </p:cNvPr>
+          <p:cNvSpPr/>
+          <p:nvPr/>
+        </p:nvSpPr>
+        <p:spPr>
+          <a:xfrm>
+            <a:off x="403943" y="558761"/>
+            <a:ext cx="1826141" cy="940579"/>
+          </a:xfrm>
+          <a:prstGeom prst="rect">
+            <a:avLst/>
+          </a:prstGeom>
+        </p:spPr>
+        <p:txBody>
+          <a:bodyPr wrap="none">
+            <a:spAutoFit/>
+          </a:bodyPr>
+          <a:lstStyle/>
+          <a:p>
+            <a:pPr algn="just">
+              <a:lnSpc>
+                <a:spcPct val="200000"/>
+              </a:lnSpc>
+            </a:pPr>
+            <a:r>
+              <a:rPr kumimoji="1" lang="zh-CN" altLang="en-US" sz="3200" dirty="0">
+                <a:solidFill>
+                  <a:schemeClr val="bg1"/>
+                </a:solidFill>
+                <a:latin typeface="Noto Sans SC" panose="020B0200000000000000" pitchFamily="34" charset="-128"/>
+                <a:ea typeface="Noto Sans SC" panose="020B0200000000000000" pitchFamily="34" charset="-128"/>
+              </a:rPr>
+              <a:t>想一想：</a:t>
+            </a:r>
+            <a:endParaRPr kumimoji="1" lang="en-US" altLang="zh-CN" sz="3200" dirty="0">
+              <a:solidFill>
+                <a:schemeClr val="bg1"/>
+              </a:solidFill>
+              <a:latin typeface="Noto Sans SC" panose="020B0200000000000000" pitchFamily="34" charset="-128"/>
+              <a:ea typeface="Noto Sans SC" panose="020B0200000000000000" pitchFamily="34" charset="-128"/>
+            </a:endParaRPr>
+          </a:p>
+        </p:txBody>
+      </p:sp>
+      <p:sp>
+        <p:nvSpPr>
+          <p:cNvPr id="4" name="文本框 3">
+            <a:extLst>
+              <a:ext uri="{FF2B5EF4-FFF2-40B4-BE49-F238E27FC236}">
+                <a16:creationId xmlns:a16="http://schemas.microsoft.com/office/drawing/2014/main" id="{71911BF2-763D-A059-5FBA-02784900ADE1}"/>
+              </a:ext>
+            </a:extLst>
+          </p:cNvPr>
+          <p:cNvSpPr txBox="1"/>
+          <p:nvPr/>
+        </p:nvSpPr>
+        <p:spPr>
+          <a:xfrm>
+            <a:off x="326825" y="2669851"/>
+            <a:ext cx="8233064" cy="1138068"/>
+          </a:xfrm>
+          <a:prstGeom prst="rect">
+            <a:avLst/>
+          </a:prstGeom>
+          <a:noFill/>
+        </p:spPr>
+        <p:txBody>
+          <a:bodyPr wrap="square" rtlCol="0">
+            <a:spAutoFit/>
+          </a:bodyPr>
+          <a:lstStyle/>
+          <a:p>
+            <a:pPr algn="ctr">
+              <a:lnSpc>
+                <a:spcPct val="200000"/>
+              </a:lnSpc>
+            </a:pPr>
+            <a:r>
+              <a:rPr kumimoji="1" lang="zh-CN" altLang="en-US" sz="4000" dirty="0">
+                <a:solidFill>
+                  <a:schemeClr val="bg1"/>
+                </a:solidFill>
+                <a:latin typeface="Noto Sans SC" panose="020B0200000000000000" pitchFamily="34" charset="-128"/>
+                <a:ea typeface="Noto Sans SC" panose="020B0200000000000000" pitchFamily="34" charset="-128"/>
+              </a:rPr>
+              <a:t>一间教室的典型布置</a:t>
+            </a:r>
+          </a:p>
+        </p:txBody>
+      </p:sp>
+    </p:spTree>
+    <p:extLst>
+      <p:ext uri="{BB962C8B-B14F-4D97-AF65-F5344CB8AC3E}">
+        <p14:creationId xmlns:p14="http://schemas.microsoft.com/office/powerpoint/2010/main" val="2410498018"/>
+      </p:ext>
+    </p:extLst>
+  </p:cSld>
+  <p:clrMapOvr>
+    <a:masterClrMapping/>
+  </p:clrMapOvr>
+</p:sld>
+</file>
+
+<file path=ppt/slides/slide13.xml><?xml version="1.0" encoding="utf-8"?>
+<p:sld xmlns:a="http://schemas.openxmlformats.org/drawingml/2006/main" xmlns:r="http://schemas.openxmlformats.org/officeDocument/2006/relationships" xmlns:p="http://schemas.openxmlformats.org/presentationml/2006/main">
+  <p:cSld>
+    <p:spTree>
+      <p:nvGrpSpPr>
+        <p:cNvPr id="1" name="">
+          <a:extLst>
+            <a:ext uri="{FF2B5EF4-FFF2-40B4-BE49-F238E27FC236}">
+              <a16:creationId xmlns:a16="http://schemas.microsoft.com/office/drawing/2014/main" id="{A96B3467-6B05-1B97-9AA8-CFE9A5AED001}"/>
+            </a:ext>
+          </a:extLst>
+        </p:cNvPr>
+        <p:cNvGrpSpPr/>
+        <p:nvPr/>
+      </p:nvGrpSpPr>
+      <p:grpSpPr>
+        <a:xfrm>
+          <a:off x="0" y="0"/>
+          <a:ext cx="0" cy="0"/>
+          <a:chOff x="0" y="0"/>
+          <a:chExt cx="0" cy="0"/>
+        </a:xfrm>
+      </p:grpSpPr>
+      <p:sp>
+        <p:nvSpPr>
+          <p:cNvPr id="3" name="矩形 2">
+            <a:extLst>
+              <a:ext uri="{FF2B5EF4-FFF2-40B4-BE49-F238E27FC236}">
+                <a16:creationId xmlns:a16="http://schemas.microsoft.com/office/drawing/2014/main" id="{966514D3-B93F-8684-E9EE-59DD7E048F2D}"/>
+              </a:ext>
+            </a:extLst>
+          </p:cNvPr>
+          <p:cNvSpPr/>
+          <p:nvPr/>
+        </p:nvSpPr>
+        <p:spPr>
+          <a:xfrm>
+            <a:off x="403943" y="558761"/>
+            <a:ext cx="1826141" cy="940579"/>
+          </a:xfrm>
+          <a:prstGeom prst="rect">
+            <a:avLst/>
+          </a:prstGeom>
+        </p:spPr>
+        <p:txBody>
+          <a:bodyPr wrap="none">
+            <a:spAutoFit/>
+          </a:bodyPr>
+          <a:lstStyle/>
+          <a:p>
+            <a:pPr algn="just">
+              <a:lnSpc>
+                <a:spcPct val="200000"/>
+              </a:lnSpc>
+            </a:pPr>
+            <a:r>
+              <a:rPr kumimoji="1" lang="zh-CN" altLang="en-US" sz="3200" dirty="0">
+                <a:solidFill>
+                  <a:schemeClr val="bg1"/>
+                </a:solidFill>
+                <a:latin typeface="Noto Sans SC" panose="020B0200000000000000" pitchFamily="34" charset="-128"/>
+                <a:ea typeface="Noto Sans SC" panose="020B0200000000000000" pitchFamily="34" charset="-128"/>
+              </a:rPr>
+              <a:t>想一想：</a:t>
+            </a:r>
+            <a:endParaRPr kumimoji="1" lang="en-US" altLang="zh-CN" sz="3200" dirty="0">
+              <a:solidFill>
+                <a:schemeClr val="bg1"/>
+              </a:solidFill>
+              <a:latin typeface="Noto Sans SC" panose="020B0200000000000000" pitchFamily="34" charset="-128"/>
+              <a:ea typeface="Noto Sans SC" panose="020B0200000000000000" pitchFamily="34" charset="-128"/>
+            </a:endParaRPr>
+          </a:p>
+        </p:txBody>
+      </p:sp>
+      <p:sp>
+        <p:nvSpPr>
+          <p:cNvPr id="4" name="文本框 3">
+            <a:extLst>
+              <a:ext uri="{FF2B5EF4-FFF2-40B4-BE49-F238E27FC236}">
+                <a16:creationId xmlns:a16="http://schemas.microsoft.com/office/drawing/2014/main" id="{94D9C3D1-1D6A-4567-406B-ABA1A3BB4A5F}"/>
+              </a:ext>
+            </a:extLst>
+          </p:cNvPr>
+          <p:cNvSpPr txBox="1"/>
+          <p:nvPr/>
+        </p:nvSpPr>
+        <p:spPr>
+          <a:xfrm>
+            <a:off x="455468" y="2669851"/>
+            <a:ext cx="8233064" cy="1138068"/>
+          </a:xfrm>
+          <a:prstGeom prst="rect">
+            <a:avLst/>
+          </a:prstGeom>
+          <a:noFill/>
+        </p:spPr>
+        <p:txBody>
+          <a:bodyPr wrap="square" rtlCol="0">
+            <a:spAutoFit/>
+          </a:bodyPr>
+          <a:lstStyle/>
+          <a:p>
+            <a:pPr algn="ctr">
+              <a:lnSpc>
+                <a:spcPct val="200000"/>
+              </a:lnSpc>
+            </a:pPr>
+            <a:r>
+              <a:rPr kumimoji="1" lang="zh-CN" altLang="en-US" sz="4000" dirty="0">
+                <a:solidFill>
+                  <a:schemeClr val="bg1"/>
+                </a:solidFill>
+                <a:latin typeface="Noto Sans SC" panose="020B0200000000000000" pitchFamily="34" charset="-128"/>
+                <a:ea typeface="Noto Sans SC" panose="020B0200000000000000" pitchFamily="34" charset="-128"/>
+              </a:rPr>
+              <a:t>窗户上雨滴顺着玻璃滑下</a:t>
+            </a:r>
+          </a:p>
+        </p:txBody>
+      </p:sp>
+    </p:spTree>
+    <p:extLst>
+      <p:ext uri="{BB962C8B-B14F-4D97-AF65-F5344CB8AC3E}">
+        <p14:creationId xmlns:p14="http://schemas.microsoft.com/office/powerpoint/2010/main" val="3162116911"/>
+      </p:ext>
+    </p:extLst>
+  </p:cSld>
+  <p:clrMapOvr>
+    <a:masterClrMapping/>
+  </p:clrMapOvr>
+</p:sld>
+</file>
+
+<file path=ppt/slides/slide14.xml><?xml version="1.0" encoding="utf-8"?>
+<p:sld xmlns:a="http://schemas.openxmlformats.org/drawingml/2006/main" xmlns:r="http://schemas.openxmlformats.org/officeDocument/2006/relationships" xmlns:p="http://schemas.openxmlformats.org/presentationml/2006/main">
+  <p:cSld>
+    <p:spTree>
+      <p:nvGrpSpPr>
+        <p:cNvPr id="1" name="">
+          <a:extLst>
+            <a:ext uri="{FF2B5EF4-FFF2-40B4-BE49-F238E27FC236}">
+              <a16:creationId xmlns:a16="http://schemas.microsoft.com/office/drawing/2014/main" id="{59384048-DBEF-364F-B5C3-6D40C2EE4DC5}"/>
+            </a:ext>
+          </a:extLst>
+        </p:cNvPr>
+        <p:cNvGrpSpPr/>
+        <p:nvPr/>
+      </p:nvGrpSpPr>
+      <p:grpSpPr>
+        <a:xfrm>
+          <a:off x="0" y="0"/>
+          <a:ext cx="0" cy="0"/>
+          <a:chOff x="0" y="0"/>
+          <a:chExt cx="0" cy="0"/>
+        </a:xfrm>
+      </p:grpSpPr>
+      <p:sp>
+        <p:nvSpPr>
+          <p:cNvPr id="3" name="矩形 2">
+            <a:extLst>
+              <a:ext uri="{FF2B5EF4-FFF2-40B4-BE49-F238E27FC236}">
+                <a16:creationId xmlns:a16="http://schemas.microsoft.com/office/drawing/2014/main" id="{D1A0BA92-1152-3E42-1E6C-837D12C40FDB}"/>
+              </a:ext>
+            </a:extLst>
+          </p:cNvPr>
+          <p:cNvSpPr/>
+          <p:nvPr/>
+        </p:nvSpPr>
+        <p:spPr>
+          <a:xfrm>
+            <a:off x="403943" y="558761"/>
+            <a:ext cx="1826141" cy="940579"/>
+          </a:xfrm>
+          <a:prstGeom prst="rect">
+            <a:avLst/>
+          </a:prstGeom>
+        </p:spPr>
+        <p:txBody>
+          <a:bodyPr wrap="none">
+            <a:spAutoFit/>
+          </a:bodyPr>
+          <a:lstStyle/>
+          <a:p>
+            <a:pPr algn="just">
+              <a:lnSpc>
+                <a:spcPct val="200000"/>
+              </a:lnSpc>
+            </a:pPr>
+            <a:r>
+              <a:rPr kumimoji="1" lang="zh-CN" altLang="en-US" sz="3200" dirty="0">
+                <a:solidFill>
+                  <a:schemeClr val="bg1"/>
+                </a:solidFill>
+                <a:latin typeface="Noto Sans SC" panose="020B0200000000000000" pitchFamily="34" charset="-128"/>
+                <a:ea typeface="Noto Sans SC" panose="020B0200000000000000" pitchFamily="34" charset="-128"/>
+              </a:rPr>
+              <a:t>想一想：</a:t>
+            </a:r>
+            <a:endParaRPr kumimoji="1" lang="en-US" altLang="zh-CN" sz="3200" dirty="0">
+              <a:solidFill>
+                <a:schemeClr val="bg1"/>
+              </a:solidFill>
+              <a:latin typeface="Noto Sans SC" panose="020B0200000000000000" pitchFamily="34" charset="-128"/>
+              <a:ea typeface="Noto Sans SC" panose="020B0200000000000000" pitchFamily="34" charset="-128"/>
+            </a:endParaRPr>
+          </a:p>
+        </p:txBody>
+      </p:sp>
+      <p:sp>
+        <p:nvSpPr>
+          <p:cNvPr id="4" name="文本框 3">
+            <a:extLst>
+              <a:ext uri="{FF2B5EF4-FFF2-40B4-BE49-F238E27FC236}">
+                <a16:creationId xmlns:a16="http://schemas.microsoft.com/office/drawing/2014/main" id="{355514DC-2714-2E82-894E-D3C0988A8E16}"/>
+              </a:ext>
+            </a:extLst>
+          </p:cNvPr>
+          <p:cNvSpPr txBox="1"/>
+          <p:nvPr/>
+        </p:nvSpPr>
+        <p:spPr>
+          <a:xfrm>
+            <a:off x="455468" y="2647817"/>
+            <a:ext cx="8233064" cy="1138068"/>
+          </a:xfrm>
+          <a:prstGeom prst="rect">
+            <a:avLst/>
+          </a:prstGeom>
+          <a:noFill/>
+        </p:spPr>
+        <p:txBody>
+          <a:bodyPr wrap="square" rtlCol="0">
+            <a:spAutoFit/>
+          </a:bodyPr>
+          <a:lstStyle/>
+          <a:p>
+            <a:pPr algn="ctr">
+              <a:lnSpc>
+                <a:spcPct val="200000"/>
+              </a:lnSpc>
+            </a:pPr>
+            <a:r>
+              <a:rPr kumimoji="1" lang="zh-CN" altLang="en-US" sz="4000" dirty="0">
+                <a:solidFill>
+                  <a:schemeClr val="bg1"/>
+                </a:solidFill>
+                <a:latin typeface="Noto Sans SC" panose="020B0200000000000000" pitchFamily="34" charset="-128"/>
+                <a:ea typeface="Noto Sans SC" panose="020B0200000000000000" pitchFamily="34" charset="-128"/>
+              </a:rPr>
+              <a:t>天空中布满云朵</a:t>
+            </a:r>
+          </a:p>
+        </p:txBody>
+      </p:sp>
+    </p:spTree>
+    <p:extLst>
+      <p:ext uri="{BB962C8B-B14F-4D97-AF65-F5344CB8AC3E}">
+        <p14:creationId xmlns:p14="http://schemas.microsoft.com/office/powerpoint/2010/main" val="2827173985"/>
+      </p:ext>
+    </p:extLst>
+  </p:cSld>
+  <p:clrMapOvr>
+    <a:masterClrMapping/>
+  </p:clrMapOvr>
+</p:sld>
+</file>
+
+<file path=ppt/slides/slide15.xml><?xml version="1.0" encoding="utf-8"?>
+<p:sld xmlns:a="http://schemas.openxmlformats.org/drawingml/2006/main" xmlns:r="http://schemas.openxmlformats.org/officeDocument/2006/relationships" xmlns:p="http://schemas.openxmlformats.org/presentationml/2006/main">
+  <p:cSld>
+    <p:spTree>
+      <p:nvGrpSpPr>
+        <p:cNvPr id="1" name="">
+          <a:extLst>
+            <a:ext uri="{FF2B5EF4-FFF2-40B4-BE49-F238E27FC236}">
+              <a16:creationId xmlns:a16="http://schemas.microsoft.com/office/drawing/2014/main" id="{4FD0B9AB-1B3F-A9B9-F279-E7FF56CAE683}"/>
+            </a:ext>
+          </a:extLst>
+        </p:cNvPr>
+        <p:cNvGrpSpPr/>
+        <p:nvPr/>
+      </p:nvGrpSpPr>
+      <p:grpSpPr>
+        <a:xfrm>
+          <a:off x="0" y="0"/>
+          <a:ext cx="0" cy="0"/>
+          <a:chOff x="0" y="0"/>
+          <a:chExt cx="0" cy="0"/>
+        </a:xfrm>
+      </p:grpSpPr>
+      <p:sp>
+        <p:nvSpPr>
+          <p:cNvPr id="3" name="矩形 2">
+            <a:extLst>
+              <a:ext uri="{FF2B5EF4-FFF2-40B4-BE49-F238E27FC236}">
+                <a16:creationId xmlns:a16="http://schemas.microsoft.com/office/drawing/2014/main" id="{4C1E6D22-64E6-E56A-56A4-C0510BE5DBE7}"/>
+              </a:ext>
+            </a:extLst>
+          </p:cNvPr>
+          <p:cNvSpPr/>
+          <p:nvPr/>
+        </p:nvSpPr>
+        <p:spPr>
+          <a:xfrm>
+            <a:off x="403943" y="558761"/>
+            <a:ext cx="1826141" cy="940579"/>
+          </a:xfrm>
+          <a:prstGeom prst="rect">
+            <a:avLst/>
+          </a:prstGeom>
+        </p:spPr>
+        <p:txBody>
+          <a:bodyPr wrap="none">
+            <a:spAutoFit/>
+          </a:bodyPr>
+          <a:lstStyle/>
+          <a:p>
+            <a:pPr algn="just">
+              <a:lnSpc>
+                <a:spcPct val="200000"/>
+              </a:lnSpc>
+            </a:pPr>
+            <a:r>
+              <a:rPr kumimoji="1" lang="zh-CN" altLang="en-US" sz="3200" dirty="0">
+                <a:solidFill>
+                  <a:schemeClr val="bg1"/>
+                </a:solidFill>
+                <a:latin typeface="Noto Sans SC" panose="020B0200000000000000" pitchFamily="34" charset="-128"/>
+                <a:ea typeface="Noto Sans SC" panose="020B0200000000000000" pitchFamily="34" charset="-128"/>
+              </a:rPr>
+              <a:t>想一想：</a:t>
+            </a:r>
+            <a:endParaRPr kumimoji="1" lang="en-US" altLang="zh-CN" sz="3200" dirty="0">
+              <a:solidFill>
+                <a:schemeClr val="bg1"/>
+              </a:solidFill>
+              <a:latin typeface="Noto Sans SC" panose="020B0200000000000000" pitchFamily="34" charset="-128"/>
+              <a:ea typeface="Noto Sans SC" panose="020B0200000000000000" pitchFamily="34" charset="-128"/>
+            </a:endParaRPr>
+          </a:p>
+        </p:txBody>
+      </p:sp>
+      <p:sp>
+        <p:nvSpPr>
+          <p:cNvPr id="4" name="文本框 3">
+            <a:extLst>
+              <a:ext uri="{FF2B5EF4-FFF2-40B4-BE49-F238E27FC236}">
+                <a16:creationId xmlns:a16="http://schemas.microsoft.com/office/drawing/2014/main" id="{BE1797FB-B26C-8F87-D490-F9AA87304BB7}"/>
+              </a:ext>
+            </a:extLst>
+          </p:cNvPr>
+          <p:cNvSpPr txBox="1"/>
+          <p:nvPr/>
+        </p:nvSpPr>
+        <p:spPr>
+          <a:xfrm>
+            <a:off x="455468" y="2680868"/>
+            <a:ext cx="8233064" cy="1138068"/>
+          </a:xfrm>
+          <a:prstGeom prst="rect">
+            <a:avLst/>
+          </a:prstGeom>
+          <a:noFill/>
+        </p:spPr>
+        <p:txBody>
+          <a:bodyPr wrap="square" rtlCol="0">
+            <a:spAutoFit/>
+          </a:bodyPr>
+          <a:lstStyle/>
+          <a:p>
+            <a:pPr algn="ctr">
+              <a:lnSpc>
+                <a:spcPct val="200000"/>
+              </a:lnSpc>
+            </a:pPr>
+            <a:r>
+              <a:rPr kumimoji="1" lang="zh-CN" altLang="en-US" sz="4000" dirty="0">
+                <a:solidFill>
+                  <a:schemeClr val="bg1"/>
+                </a:solidFill>
+                <a:latin typeface="Noto Sans SC" panose="020B0200000000000000" pitchFamily="34" charset="-128"/>
+                <a:ea typeface="Noto Sans SC" panose="020B0200000000000000" pitchFamily="34" charset="-128"/>
+              </a:rPr>
+              <a:t>火车停在火车站的情形</a:t>
+            </a:r>
+          </a:p>
+        </p:txBody>
+      </p:sp>
+    </p:spTree>
+    <p:extLst>
+      <p:ext uri="{BB962C8B-B14F-4D97-AF65-F5344CB8AC3E}">
+        <p14:creationId xmlns:p14="http://schemas.microsoft.com/office/powerpoint/2010/main" val="4115113452"/>
+      </p:ext>
+    </p:extLst>
+  </p:cSld>
+  <p:clrMapOvr>
+    <a:masterClrMapping/>
+  </p:clrMapOvr>
+</p:sld>
+</file>
+
 <file path=ppt/slides/slide2.xml><?xml version="1.0" encoding="utf-8"?>
 <p:sld xmlns:a="http://schemas.openxmlformats.org/drawingml/2006/main" xmlns:r="http://schemas.openxmlformats.org/officeDocument/2006/relationships" xmlns:p="http://schemas.openxmlformats.org/presentationml/2006/main">
   <p:cSld>
@@ -4286,7 +5110,7 @@
                 <a:ea typeface="Noto Sans SC" panose="020B0200000000000000" pitchFamily="34" charset="-128"/>
                 <a:cs typeface="Arial" panose="020B0604020202020204" pitchFamily="34" charset="0"/>
               </a:rPr>
-              <a:t>如果您明白了，请按</a:t>
+              <a:t>如果您没有问题，请按</a:t>
             </a:r>
             <a:r>
               <a:rPr lang="zh-CN" altLang="en-US" sz="3200" b="1" dirty="0">
@@ -4379,8 +5203,8 @@
         </p:nvSpPr>
         <p:spPr>
           <a:xfrm>
-            <a:off x="380631" y="428178"/>
-            <a:ext cx="8382737" cy="6001643"/>
+            <a:off x="335788" y="1166842"/>
+            <a:ext cx="8472424" cy="4524315"/>
           </a:xfrm>
           <a:prstGeom prst="rect">
             <a:avLst/>
@@ -4403,12 +5227,34 @@
                 <a:ea typeface="Noto Sans SC" panose="020B0200000000000000" pitchFamily="34" charset="-128"/>
                 <a:cs typeface="Arial" panose="020B0604020202020204" pitchFamily="34" charset="0"/>
               </a:rPr>
-              <a:t>在接下来的扫描中，屏幕上将会依次呈现</a:t>
-            </a:r>
-            <a:r>
-              <a:rPr lang="en-US" altLang="zh-CN" sz="3200" dirty="0">
-                <a:solidFill>
-                  <a:schemeClr val="bg1"/>
+              <a:t>在接下来的扫描中，屏幕上将会</a:t>
+            </a:r>
+            <a:r>
+              <a:rPr lang="zh-CN" altLang="en-US" sz="3200" b="1" dirty="0">
+                <a:solidFill>
+                  <a:srgbClr val="FFC000"/>
+                </a:solidFill>
+                <a:latin typeface="Noto Sans SC" panose="020B0200000000000000" pitchFamily="34" charset="-128"/>
+                <a:ea typeface="Noto Sans SC" panose="020B0200000000000000" pitchFamily="34" charset="-128"/>
+                <a:cs typeface="Arial" panose="020B0604020202020204" pitchFamily="34" charset="0"/>
+              </a:rPr>
+              <a:t>依次</a:t>
+            </a:r>
+            <a:r>
+              <a:rPr lang="zh-CN" altLang="en-US" sz="3200" dirty="0">
+                <a:solidFill>
+                  <a:schemeClr val="bg1"/>
+                </a:solidFill>
+                <a:latin typeface="Noto Sans SC" panose="020B0200000000000000" pitchFamily="34" charset="-128"/>
+                <a:ea typeface="Noto Sans SC" panose="020B0200000000000000" pitchFamily="34" charset="-128"/>
+                <a:cs typeface="Arial" panose="020B0604020202020204" pitchFamily="34" charset="0"/>
+              </a:rPr>
+              <a:t>呈现</a:t>
+            </a:r>
+            <a:r>
+              <a:rPr lang="en-US" altLang="zh-CN" sz="3200" b="1" dirty="0">
+                <a:solidFill>
+                  <a:srgbClr val="FFC000"/>
                 </a:solidFill>
                 <a:latin typeface="Noto Sans SC" panose="020B0200000000000000" pitchFamily="34" charset="-128"/>
                 <a:ea typeface="Noto Sans SC" panose="020B0200000000000000" pitchFamily="34" charset="-128"/>
@@ -4417,6 +5263,17 @@
               <a:t>4</a:t>
             </a:r>
             <a:r>
+              <a:rPr lang="zh-CN" altLang="en-US" sz="3200" b="1" dirty="0">
+                <a:solidFill>
+                  <a:srgbClr val="FFC000"/>
+                </a:solidFill>
+                <a:latin typeface="Noto Sans SC" panose="020B0200000000000000" pitchFamily="34" charset="-128"/>
+                <a:ea typeface="Noto Sans SC" panose="020B0200000000000000" pitchFamily="34" charset="-128"/>
+                <a:cs typeface="Arial" panose="020B0604020202020204" pitchFamily="34" charset="0"/>
+              </a:rPr>
+              <a:t>个提示</a:t>
+            </a:r>
+            <a:r>
               <a:rPr lang="zh-CN" altLang="en-US" sz="3200" dirty="0">
                 <a:solidFill>
                   <a:schemeClr val="bg1"/>
@@ -4425,12 +5282,12 @@
                 <a:ea typeface="Noto Sans SC" panose="020B0200000000000000" pitchFamily="34" charset="-128"/>
                 <a:cs typeface="Arial" panose="020B0604020202020204" pitchFamily="34" charset="0"/>
               </a:rPr>
-              <a:t>个提示，每个提示持续</a:t>
-            </a:r>
-            <a:r>
-              <a:rPr lang="en-US" altLang="zh-CN" sz="3200" dirty="0">
-                <a:solidFill>
-                  <a:schemeClr val="bg1"/>
+              <a:t>，每个提示持续</a:t>
+            </a:r>
+            <a:r>
+              <a:rPr lang="en-US" altLang="zh-CN" sz="3200" b="1" dirty="0">
+                <a:solidFill>
+                  <a:srgbClr val="FFC000"/>
                 </a:solidFill>
                 <a:latin typeface="Noto Sans SC" panose="020B0200000000000000" pitchFamily="34" charset="-128"/>
                 <a:ea typeface="Noto Sans SC" panose="020B0200000000000000" pitchFamily="34" charset="-128"/>
@@ -4439,6 +5296,17 @@
               <a:t>2</a:t>
             </a:r>
             <a:r>
+              <a:rPr lang="zh-CN" altLang="en-US" sz="3200" b="1" dirty="0">
+                <a:solidFill>
+                  <a:srgbClr val="FFC000"/>
+                </a:solidFill>
+                <a:latin typeface="Noto Sans SC" panose="020B0200000000000000" pitchFamily="34" charset="-128"/>
+                <a:ea typeface="Noto Sans SC" panose="020B0200000000000000" pitchFamily="34" charset="-128"/>
+                <a:cs typeface="Arial" panose="020B0604020202020204" pitchFamily="34" charset="0"/>
+              </a:rPr>
+              <a:t>分钟</a:t>
+            </a:r>
+            <a:r>
               <a:rPr lang="zh-CN" altLang="en-US" sz="3200" dirty="0">
                 <a:solidFill>
                   <a:schemeClr val="bg1"/>
@@ -4447,7 +5315,7 @@
                 <a:ea typeface="Noto Sans SC" panose="020B0200000000000000" pitchFamily="34" charset="-128"/>
                 <a:cs typeface="Arial" panose="020B0604020202020204" pitchFamily="34" charset="0"/>
               </a:rPr>
-              <a:t>分钟。     </a:t>
+              <a:t>。     </a:t>
             </a:r>
           </a:p>
           <a:p>
@@ -4472,8 +5340,148 @@
                 <a:ea typeface="Noto Sans SC" panose="020B0200000000000000" pitchFamily="34" charset="-128"/>
                 <a:cs typeface="Arial" panose="020B0604020202020204" pitchFamily="34" charset="0"/>
               </a:rPr>
-              <a:t>请您根据当前呈现的提示仔细思考一下刚才的负面回忆，并想想它可能的原因以及后果。在本阶段扫描结束以前不要停止思考，尽量不要闭上眼睛。</a:t>
-            </a:r>
+              <a:t>请您根据</a:t>
+            </a:r>
+            <a:r>
+              <a:rPr lang="zh-CN" altLang="en-US" sz="3200" b="1" dirty="0">
+                <a:solidFill>
+                  <a:srgbClr val="FFC000"/>
+                </a:solidFill>
+                <a:latin typeface="Noto Sans SC" panose="020B0200000000000000" pitchFamily="34" charset="-128"/>
+                <a:ea typeface="Noto Sans SC" panose="020B0200000000000000" pitchFamily="34" charset="-128"/>
+                <a:cs typeface="Arial" panose="020B0604020202020204" pitchFamily="34" charset="0"/>
+              </a:rPr>
+              <a:t>当前呈现</a:t>
+            </a:r>
+            <a:r>
+              <a:rPr lang="zh-CN" altLang="en-US" sz="3200" dirty="0">
+                <a:solidFill>
+                  <a:schemeClr val="bg1"/>
+                </a:solidFill>
+                <a:latin typeface="Noto Sans SC" panose="020B0200000000000000" pitchFamily="34" charset="-128"/>
+                <a:ea typeface="Noto Sans SC" panose="020B0200000000000000" pitchFamily="34" charset="-128"/>
+                <a:cs typeface="Arial" panose="020B0604020202020204" pitchFamily="34" charset="0"/>
+              </a:rPr>
+              <a:t>的提示</a:t>
+            </a:r>
+            <a:r>
+              <a:rPr lang="zh-CN" altLang="en-US" sz="3200" b="1" dirty="0">
+                <a:solidFill>
+                  <a:srgbClr val="FFC000"/>
+                </a:solidFill>
+                <a:latin typeface="Noto Sans SC" panose="020B0200000000000000" pitchFamily="34" charset="-128"/>
+                <a:ea typeface="Noto Sans SC" panose="020B0200000000000000" pitchFamily="34" charset="-128"/>
+                <a:cs typeface="Arial" panose="020B0604020202020204" pitchFamily="34" charset="0"/>
+              </a:rPr>
+              <a:t>仔细思考</a:t>
+            </a:r>
+            <a:r>
+              <a:rPr lang="zh-CN" altLang="en-US" sz="3200" dirty="0">
+                <a:solidFill>
+                  <a:schemeClr val="bg1"/>
+                </a:solidFill>
+                <a:latin typeface="Noto Sans SC" panose="020B0200000000000000" pitchFamily="34" charset="-128"/>
+                <a:ea typeface="Noto Sans SC" panose="020B0200000000000000" pitchFamily="34" charset="-128"/>
+                <a:cs typeface="Arial" panose="020B0604020202020204" pitchFamily="34" charset="0"/>
+              </a:rPr>
+              <a:t>一下刚才的负面回忆，并想想它可能的</a:t>
+            </a:r>
+            <a:r>
+              <a:rPr lang="zh-CN" altLang="en-US" sz="3200" b="1" dirty="0">
+                <a:solidFill>
+                  <a:srgbClr val="FFC000"/>
+                </a:solidFill>
+                <a:latin typeface="Noto Sans SC" panose="020B0200000000000000" pitchFamily="34" charset="-128"/>
+                <a:ea typeface="Noto Sans SC" panose="020B0200000000000000" pitchFamily="34" charset="-128"/>
+                <a:cs typeface="Arial" panose="020B0604020202020204" pitchFamily="34" charset="0"/>
+              </a:rPr>
+              <a:t>原因</a:t>
+            </a:r>
+            <a:r>
+              <a:rPr lang="zh-CN" altLang="en-US" sz="3200" dirty="0">
+                <a:solidFill>
+                  <a:schemeClr val="bg1"/>
+                </a:solidFill>
+                <a:latin typeface="Noto Sans SC" panose="020B0200000000000000" pitchFamily="34" charset="-128"/>
+                <a:ea typeface="Noto Sans SC" panose="020B0200000000000000" pitchFamily="34" charset="-128"/>
+                <a:cs typeface="Arial" panose="020B0604020202020204" pitchFamily="34" charset="0"/>
+              </a:rPr>
+              <a:t>以及</a:t>
+            </a:r>
+            <a:r>
+              <a:rPr lang="zh-CN" altLang="en-US" sz="3200" b="1" dirty="0">
+                <a:solidFill>
+                  <a:srgbClr val="FFC000"/>
+                </a:solidFill>
+                <a:latin typeface="Noto Sans SC" panose="020B0200000000000000" pitchFamily="34" charset="-128"/>
+                <a:ea typeface="Noto Sans SC" panose="020B0200000000000000" pitchFamily="34" charset="-128"/>
+                <a:cs typeface="Arial" panose="020B0604020202020204" pitchFamily="34" charset="0"/>
+              </a:rPr>
+              <a:t>后果</a:t>
+            </a:r>
+            <a:r>
+              <a:rPr lang="zh-CN" altLang="en-US" sz="3200" dirty="0">
+                <a:solidFill>
+                  <a:schemeClr val="bg1"/>
+                </a:solidFill>
+                <a:latin typeface="Noto Sans SC" panose="020B0200000000000000" pitchFamily="34" charset="-128"/>
+                <a:ea typeface="Noto Sans SC" panose="020B0200000000000000" pitchFamily="34" charset="-128"/>
+                <a:cs typeface="Arial" panose="020B0604020202020204" pitchFamily="34" charset="0"/>
+              </a:rPr>
+              <a:t>。在本阶段扫描结束以前</a:t>
+            </a:r>
+            <a:r>
+              <a:rPr lang="zh-CN" altLang="en-US" sz="3200" b="1" dirty="0">
+                <a:solidFill>
+                  <a:srgbClr val="FFC000"/>
+                </a:solidFill>
+                <a:latin typeface="Noto Sans SC" panose="020B0200000000000000" pitchFamily="34" charset="-128"/>
+                <a:ea typeface="Noto Sans SC" panose="020B0200000000000000" pitchFamily="34" charset="-128"/>
+                <a:cs typeface="Arial" panose="020B0604020202020204" pitchFamily="34" charset="0"/>
+              </a:rPr>
+              <a:t>不要停止思考</a:t>
+            </a:r>
+            <a:r>
+              <a:rPr lang="zh-CN" altLang="en-US" sz="3200" dirty="0">
+                <a:solidFill>
+                  <a:schemeClr val="bg1"/>
+                </a:solidFill>
+                <a:latin typeface="Noto Sans SC" panose="020B0200000000000000" pitchFamily="34" charset="-128"/>
+                <a:ea typeface="Noto Sans SC" panose="020B0200000000000000" pitchFamily="34" charset="-128"/>
+                <a:cs typeface="Arial" panose="020B0604020202020204" pitchFamily="34" charset="0"/>
+              </a:rPr>
+              <a:t>，尽量</a:t>
+            </a:r>
+            <a:r>
+              <a:rPr lang="zh-CN" altLang="en-US" sz="3200" b="1" dirty="0">
+                <a:solidFill>
+                  <a:srgbClr val="FFC000"/>
+                </a:solidFill>
+                <a:latin typeface="Noto Sans SC" panose="020B0200000000000000" pitchFamily="34" charset="-128"/>
+                <a:ea typeface="Noto Sans SC" panose="020B0200000000000000" pitchFamily="34" charset="-128"/>
+                <a:cs typeface="Arial" panose="020B0604020202020204" pitchFamily="34" charset="0"/>
+              </a:rPr>
+              <a:t>不要闭上眼睛</a:t>
+            </a:r>
+            <a:r>
+              <a:rPr lang="zh-CN" altLang="en-US" sz="3200" dirty="0">
+                <a:solidFill>
+                  <a:schemeClr val="bg1"/>
+                </a:solidFill>
+                <a:latin typeface="Noto Sans SC" panose="020B0200000000000000" pitchFamily="34" charset="-128"/>
+                <a:ea typeface="Noto Sans SC" panose="020B0200000000000000" pitchFamily="34" charset="-128"/>
+                <a:cs typeface="Arial" panose="020B0604020202020204" pitchFamily="34" charset="0"/>
+              </a:rPr>
+              <a:t>。</a:t>
+            </a:r>
+            <a:endParaRPr lang="en-CA" altLang="zh-CN" sz="3200" dirty="0">
+              <a:solidFill>
+                <a:schemeClr val="bg1"/>
+              </a:solidFill>
+              <a:latin typeface="Noto Sans SC" panose="020B0200000000000000" pitchFamily="34" charset="-128"/>
+              <a:ea typeface="Noto Sans SC" panose="020B0200000000000000" pitchFamily="34" charset="-128"/>
+              <a:cs typeface="Arial" panose="020B0604020202020204" pitchFamily="34" charset="0"/>
+            </a:endParaRPr>
           </a:p>
           <a:p>
             <a:pPr indent="457200"/>
@@ -4497,7 +5505,218 @@
                 <a:ea typeface="Noto Sans SC" panose="020B0200000000000000" pitchFamily="34" charset="-128"/>
                 <a:cs typeface="Arial" panose="020B0604020202020204" pitchFamily="34" charset="0"/>
               </a:rPr>
-              <a:t>如果您发现自己走神了，请立刻按任意键，并继续完成任务。</a:t>
+              <a:t>如果您没有问题，请按</a:t>
+            </a:r>
+            <a:r>
+              <a:rPr lang="zh-CN" altLang="en-US" sz="3200" b="1" dirty="0">
+                <a:solidFill>
+                  <a:srgbClr val="FFC000"/>
+                </a:solidFill>
+                <a:latin typeface="Noto Sans SC" panose="020B0200000000000000" pitchFamily="34" charset="-128"/>
+                <a:ea typeface="Noto Sans SC" panose="020B0200000000000000" pitchFamily="34" charset="-128"/>
+                <a:cs typeface="Arial" panose="020B0604020202020204" pitchFamily="34" charset="0"/>
+              </a:rPr>
+              <a:t>右手边</a:t>
+            </a:r>
+            <a:r>
+              <a:rPr lang="zh-CN" altLang="en-US" sz="3200" dirty="0">
+                <a:solidFill>
+                  <a:schemeClr val="bg1"/>
+                </a:solidFill>
+                <a:latin typeface="Noto Sans SC" panose="020B0200000000000000" pitchFamily="34" charset="-128"/>
+                <a:ea typeface="Noto Sans SC" panose="020B0200000000000000" pitchFamily="34" charset="-128"/>
+                <a:cs typeface="Arial" panose="020B0604020202020204" pitchFamily="34" charset="0"/>
+              </a:rPr>
+              <a:t>的按键</a:t>
+            </a:r>
+            <a:r>
+              <a:rPr lang="zh-CN" altLang="en-US" sz="3200" b="1" dirty="0">
+                <a:solidFill>
+                  <a:srgbClr val="FFC000"/>
+                </a:solidFill>
+                <a:latin typeface="Noto Sans SC" panose="020B0200000000000000" pitchFamily="34" charset="-128"/>
+                <a:ea typeface="Noto Sans SC" panose="020B0200000000000000" pitchFamily="34" charset="-128"/>
+                <a:cs typeface="Arial" panose="020B0604020202020204" pitchFamily="34" charset="0"/>
+              </a:rPr>
+              <a:t>继续</a:t>
+            </a:r>
+            <a:r>
+              <a:rPr lang="zh-CN" altLang="en-US" sz="3200" dirty="0">
+                <a:solidFill>
+                  <a:schemeClr val="bg1"/>
+                </a:solidFill>
+                <a:latin typeface="Noto Sans SC" panose="020B0200000000000000" pitchFamily="34" charset="-128"/>
+                <a:ea typeface="Noto Sans SC" panose="020B0200000000000000" pitchFamily="34" charset="-128"/>
+                <a:cs typeface="Arial" panose="020B0604020202020204" pitchFamily="34" charset="0"/>
+              </a:rPr>
+              <a:t>。</a:t>
+            </a:r>
+          </a:p>
+        </p:txBody>
+      </p:sp>
+    </p:spTree>
+    <p:extLst>
+      <p:ext uri="{BB962C8B-B14F-4D97-AF65-F5344CB8AC3E}">
+        <p14:creationId xmlns:p14="http://schemas.microsoft.com/office/powerpoint/2010/main" val="2737944394"/>
+      </p:ext>
+    </p:extLst>
+  </p:cSld>
+  <p:clrMapOvr>
+    <a:masterClrMapping/>
+  </p:clrMapOvr>
+</p:sld>
+</file>
+
+<file path=ppt/slides/slide7.xml><?xml version="1.0" encoding="utf-8"?>
+<p:sld xmlns:a="http://schemas.openxmlformats.org/drawingml/2006/main" xmlns:r="http://schemas.openxmlformats.org/officeDocument/2006/relationships" xmlns:p="http://schemas.openxmlformats.org/presentationml/2006/main">
+  <p:cSld>
+    <p:spTree>
+      <p:nvGrpSpPr>
+        <p:cNvPr id="1" name="">
+          <a:extLst>
+            <a:ext uri="{FF2B5EF4-FFF2-40B4-BE49-F238E27FC236}">
+              <a16:creationId xmlns:a16="http://schemas.microsoft.com/office/drawing/2014/main" id="{D1EB59BE-34DA-7495-7FF2-7753BAB1B961}"/>
+            </a:ext>
+          </a:extLst>
+        </p:cNvPr>
+        <p:cNvGrpSpPr/>
+        <p:nvPr/>
+      </p:nvGrpSpPr>
+      <p:grpSpPr>
+        <a:xfrm>
+          <a:off x="0" y="0"/>
+          <a:ext cx="0" cy="0"/>
+          <a:chOff x="0" y="0"/>
+          <a:chExt cx="0" cy="0"/>
+        </a:xfrm>
+      </p:grpSpPr>
+      <p:sp>
+        <p:nvSpPr>
+          <p:cNvPr id="2" name="TextBox 1">
+            <a:extLst>
+              <a:ext uri="{FF2B5EF4-FFF2-40B4-BE49-F238E27FC236}">
+                <a16:creationId xmlns:a16="http://schemas.microsoft.com/office/drawing/2014/main" id="{B97AF5BB-CD49-78A5-2A30-D46337DCB2F0}"/>
+              </a:ext>
+            </a:extLst>
+          </p:cNvPr>
+          <p:cNvSpPr txBox="1"/>
+          <p:nvPr/>
+        </p:nvSpPr>
+        <p:spPr>
+          <a:xfrm>
+            <a:off x="335788" y="1166842"/>
+            <a:ext cx="8472424" cy="4524315"/>
+          </a:xfrm>
+          <a:prstGeom prst="rect">
+            <a:avLst/>
+          </a:prstGeom>
+          <a:noFill/>
+        </p:spPr>
+        <p:txBody>
+          <a:bodyPr wrap="square" rtlCol="0">
+            <a:spAutoFit/>
+          </a:bodyPr>
+          <a:lstStyle/>
+          <a:p>
+            <a:pPr indent="457200"/>
+            <a:r>
+              <a:rPr lang="zh-CN" altLang="en-US" sz="3200" dirty="0">
+                <a:solidFill>
+                  <a:schemeClr val="bg1"/>
+                </a:solidFill>
+                <a:latin typeface="Noto Sans SC" panose="020B0200000000000000" pitchFamily="34" charset="-128"/>
+                <a:ea typeface="Noto Sans SC" panose="020B0200000000000000" pitchFamily="34" charset="-128"/>
+                <a:cs typeface="Arial" panose="020B0604020202020204" pitchFamily="34" charset="0"/>
+              </a:rPr>
+              <a:t>接下来的扫描中，屏幕上将会</a:t>
+            </a:r>
+            <a:r>
+              <a:rPr lang="zh-CN" altLang="en-US" sz="3200" b="1" dirty="0">
+                <a:solidFill>
+                  <a:srgbClr val="FFC000"/>
+                </a:solidFill>
+                <a:latin typeface="Noto Sans SC" panose="020B0200000000000000" pitchFamily="34" charset="-128"/>
+                <a:ea typeface="Noto Sans SC" panose="020B0200000000000000" pitchFamily="34" charset="-128"/>
+                <a:cs typeface="Arial" panose="020B0604020202020204" pitchFamily="34" charset="0"/>
+              </a:rPr>
+              <a:t>依次</a:t>
+            </a:r>
+            <a:r>
+              <a:rPr lang="zh-CN" altLang="en-US" sz="3200" dirty="0">
+                <a:solidFill>
+                  <a:schemeClr val="bg1"/>
+                </a:solidFill>
+                <a:latin typeface="Noto Sans SC" panose="020B0200000000000000" pitchFamily="34" charset="-128"/>
+                <a:ea typeface="Noto Sans SC" panose="020B0200000000000000" pitchFamily="34" charset="-128"/>
+                <a:cs typeface="Arial" panose="020B0604020202020204" pitchFamily="34" charset="0"/>
+              </a:rPr>
+              <a:t>呈现</a:t>
+            </a:r>
+            <a:r>
+              <a:rPr lang="en-US" altLang="zh-CN" sz="3200" b="1" dirty="0">
+                <a:solidFill>
+                  <a:srgbClr val="FFC000"/>
+                </a:solidFill>
+                <a:latin typeface="Noto Sans SC" panose="020B0200000000000000" pitchFamily="34" charset="-128"/>
+                <a:ea typeface="Noto Sans SC" panose="020B0200000000000000" pitchFamily="34" charset="-128"/>
+                <a:cs typeface="Arial" panose="020B0604020202020204" pitchFamily="34" charset="0"/>
+              </a:rPr>
+              <a:t>4</a:t>
+            </a:r>
+            <a:r>
+              <a:rPr lang="zh-CN" altLang="en-US" sz="3200" b="1" dirty="0">
+                <a:solidFill>
+                  <a:srgbClr val="FFC000"/>
+                </a:solidFill>
+                <a:latin typeface="Noto Sans SC" panose="020B0200000000000000" pitchFamily="34" charset="-128"/>
+                <a:ea typeface="Noto Sans SC" panose="020B0200000000000000" pitchFamily="34" charset="-128"/>
+                <a:cs typeface="Arial" panose="020B0604020202020204" pitchFamily="34" charset="0"/>
+              </a:rPr>
+              <a:t>个提示</a:t>
+            </a:r>
+            <a:r>
+              <a:rPr lang="zh-CN" altLang="en-US" sz="3200" dirty="0">
+                <a:solidFill>
+                  <a:schemeClr val="bg1"/>
+                </a:solidFill>
+                <a:latin typeface="Noto Sans SC" panose="020B0200000000000000" pitchFamily="34" charset="-128"/>
+                <a:ea typeface="Noto Sans SC" panose="020B0200000000000000" pitchFamily="34" charset="-128"/>
+                <a:cs typeface="Arial" panose="020B0604020202020204" pitchFamily="34" charset="0"/>
+              </a:rPr>
+              <a:t>，每个提示持续</a:t>
+            </a:r>
+            <a:r>
+              <a:rPr lang="en-US" altLang="zh-CN" sz="3200" b="1" dirty="0">
+                <a:solidFill>
+                  <a:srgbClr val="FFC000"/>
+                </a:solidFill>
+                <a:latin typeface="Noto Sans SC" panose="020B0200000000000000" pitchFamily="34" charset="-128"/>
+                <a:ea typeface="Noto Sans SC" panose="020B0200000000000000" pitchFamily="34" charset="-128"/>
+                <a:cs typeface="Arial" panose="020B0604020202020204" pitchFamily="34" charset="0"/>
+              </a:rPr>
+              <a:t>2</a:t>
+            </a:r>
+            <a:r>
+              <a:rPr lang="zh-CN" altLang="en-US" sz="3200" b="1" dirty="0">
+                <a:solidFill>
+                  <a:srgbClr val="FFC000"/>
+                </a:solidFill>
+                <a:latin typeface="Noto Sans SC" panose="020B0200000000000000" pitchFamily="34" charset="-128"/>
+                <a:ea typeface="Noto Sans SC" panose="020B0200000000000000" pitchFamily="34" charset="-128"/>
+                <a:cs typeface="Arial" panose="020B0604020202020204" pitchFamily="34" charset="0"/>
+              </a:rPr>
+              <a:t>分钟</a:t>
+            </a:r>
+            <a:r>
+              <a:rPr lang="zh-CN" altLang="en-US" sz="3200" dirty="0">
+                <a:solidFill>
+                  <a:schemeClr val="bg1"/>
+                </a:solidFill>
+                <a:latin typeface="Noto Sans SC" panose="020B0200000000000000" pitchFamily="34" charset="-128"/>
+                <a:ea typeface="Noto Sans SC" panose="020B0200000000000000" pitchFamily="34" charset="-128"/>
+                <a:cs typeface="Arial" panose="020B0604020202020204" pitchFamily="34" charset="0"/>
+              </a:rPr>
+              <a:t>。</a:t>
             </a:r>
           </a:p>
           <a:p>
@@ -4522,7 +5741,208 @@
                 <a:ea typeface="Noto Sans SC" panose="020B0200000000000000" pitchFamily="34" charset="-128"/>
                 <a:cs typeface="Arial" panose="020B0604020202020204" pitchFamily="34" charset="0"/>
               </a:rPr>
-              <a:t>如果您没有问题，请按右手边的按键继续。</a:t>
+              <a:t>请您根据</a:t>
+            </a:r>
+            <a:r>
+              <a:rPr lang="zh-CN" altLang="en-US" sz="3200" b="1" dirty="0">
+                <a:solidFill>
+                  <a:srgbClr val="FFC000"/>
+                </a:solidFill>
+                <a:latin typeface="Noto Sans SC" panose="020B0200000000000000" pitchFamily="34" charset="-128"/>
+                <a:ea typeface="Noto Sans SC" panose="020B0200000000000000" pitchFamily="34" charset="-128"/>
+                <a:cs typeface="Arial" panose="020B0604020202020204" pitchFamily="34" charset="0"/>
+              </a:rPr>
+              <a:t>当前呈现</a:t>
+            </a:r>
+            <a:r>
+              <a:rPr lang="zh-CN" altLang="en-US" sz="3200" dirty="0">
+                <a:solidFill>
+                  <a:schemeClr val="bg1"/>
+                </a:solidFill>
+                <a:latin typeface="Noto Sans SC" panose="020B0200000000000000" pitchFamily="34" charset="-128"/>
+                <a:ea typeface="Noto Sans SC" panose="020B0200000000000000" pitchFamily="34" charset="-128"/>
+                <a:cs typeface="Arial" panose="020B0604020202020204" pitchFamily="34" charset="0"/>
+              </a:rPr>
+              <a:t>的提示将</a:t>
+            </a:r>
+            <a:r>
+              <a:rPr lang="zh-CN" altLang="en-US" sz="3200" b="1" dirty="0">
+                <a:solidFill>
+                  <a:srgbClr val="FFC000"/>
+                </a:solidFill>
+                <a:latin typeface="Noto Sans SC" panose="020B0200000000000000" pitchFamily="34" charset="-128"/>
+                <a:ea typeface="Noto Sans SC" panose="020B0200000000000000" pitchFamily="34" charset="-128"/>
+                <a:cs typeface="Arial" panose="020B0604020202020204" pitchFamily="34" charset="0"/>
+              </a:rPr>
+              <a:t>注意力集中</a:t>
+            </a:r>
+            <a:r>
+              <a:rPr lang="zh-CN" altLang="en-US" sz="3200" dirty="0">
+                <a:solidFill>
+                  <a:schemeClr val="bg1"/>
+                </a:solidFill>
+                <a:latin typeface="Noto Sans SC" panose="020B0200000000000000" pitchFamily="34" charset="-128"/>
+                <a:ea typeface="Noto Sans SC" panose="020B0200000000000000" pitchFamily="34" charset="-128"/>
+                <a:cs typeface="Arial" panose="020B0604020202020204" pitchFamily="34" charset="0"/>
+              </a:rPr>
+              <a:t>在某个特定的事物上并</a:t>
+            </a:r>
+            <a:r>
+              <a:rPr lang="zh-CN" altLang="en-US" sz="3200" b="1" dirty="0">
+                <a:solidFill>
+                  <a:srgbClr val="FFC000"/>
+                </a:solidFill>
+                <a:latin typeface="Noto Sans SC" panose="020B0200000000000000" pitchFamily="34" charset="-128"/>
+                <a:ea typeface="Noto Sans SC" panose="020B0200000000000000" pitchFamily="34" charset="-128"/>
+                <a:cs typeface="Arial" panose="020B0604020202020204" pitchFamily="34" charset="0"/>
+              </a:rPr>
+              <a:t>想象</a:t>
+            </a:r>
+            <a:r>
+              <a:rPr lang="zh-CN" altLang="en-US" sz="3200" dirty="0">
+                <a:solidFill>
+                  <a:schemeClr val="bg1"/>
+                </a:solidFill>
+                <a:latin typeface="Noto Sans SC" panose="020B0200000000000000" pitchFamily="34" charset="-128"/>
+                <a:ea typeface="Noto Sans SC" panose="020B0200000000000000" pitchFamily="34" charset="-128"/>
+                <a:cs typeface="Arial" panose="020B0604020202020204" pitchFamily="34" charset="0"/>
+              </a:rPr>
+              <a:t>。请尽量</a:t>
+            </a:r>
+            <a:r>
+              <a:rPr lang="zh-CN" altLang="en-US" sz="3200" b="1" dirty="0">
+                <a:solidFill>
+                  <a:srgbClr val="FFC000"/>
+                </a:solidFill>
+                <a:latin typeface="Noto Sans SC" panose="020B0200000000000000" pitchFamily="34" charset="-128"/>
+                <a:ea typeface="Noto Sans SC" panose="020B0200000000000000" pitchFamily="34" charset="-128"/>
+                <a:cs typeface="Arial" panose="020B0604020202020204" pitchFamily="34" charset="0"/>
+              </a:rPr>
+              <a:t>生动地</a:t>
+            </a:r>
+            <a:r>
+              <a:rPr lang="zh-CN" altLang="en-US" sz="3200" dirty="0">
+                <a:solidFill>
+                  <a:schemeClr val="bg1"/>
+                </a:solidFill>
+                <a:latin typeface="Noto Sans SC" panose="020B0200000000000000" pitchFamily="34" charset="-128"/>
+                <a:ea typeface="Noto Sans SC" panose="020B0200000000000000" pitchFamily="34" charset="-128"/>
+                <a:cs typeface="Arial" panose="020B0604020202020204" pitchFamily="34" charset="0"/>
+              </a:rPr>
+              <a:t>想象，就好像它们就在眼前一样，在本阶段扫描结束之前</a:t>
+            </a:r>
+            <a:r>
+              <a:rPr lang="zh-CN" altLang="en-US" sz="3200" b="1" dirty="0">
+                <a:solidFill>
+                  <a:srgbClr val="FFC000"/>
+                </a:solidFill>
+                <a:latin typeface="Noto Sans SC" panose="020B0200000000000000" pitchFamily="34" charset="-128"/>
+                <a:ea typeface="Noto Sans SC" panose="020B0200000000000000" pitchFamily="34" charset="-128"/>
+                <a:cs typeface="Arial" panose="020B0604020202020204" pitchFamily="34" charset="0"/>
+              </a:rPr>
+              <a:t>不要停止想象</a:t>
+            </a:r>
+            <a:r>
+              <a:rPr lang="zh-CN" altLang="en-US" sz="3200" dirty="0">
+                <a:solidFill>
+                  <a:schemeClr val="bg1"/>
+                </a:solidFill>
+                <a:latin typeface="Noto Sans SC" panose="020B0200000000000000" pitchFamily="34" charset="-128"/>
+                <a:ea typeface="Noto Sans SC" panose="020B0200000000000000" pitchFamily="34" charset="-128"/>
+                <a:cs typeface="Arial" panose="020B0604020202020204" pitchFamily="34" charset="0"/>
+              </a:rPr>
+              <a:t>，尽量</a:t>
+            </a:r>
+            <a:r>
+              <a:rPr lang="zh-CN" altLang="en-US" sz="3200" b="1" dirty="0">
+                <a:solidFill>
+                  <a:srgbClr val="FFC000"/>
+                </a:solidFill>
+                <a:latin typeface="Noto Sans SC" panose="020B0200000000000000" pitchFamily="34" charset="-128"/>
+                <a:ea typeface="Noto Sans SC" panose="020B0200000000000000" pitchFamily="34" charset="-128"/>
+                <a:cs typeface="Arial" panose="020B0604020202020204" pitchFamily="34" charset="0"/>
+              </a:rPr>
+              <a:t>不要闭上眼睛</a:t>
+            </a:r>
+            <a:r>
+              <a:rPr lang="zh-CN" altLang="en-US" sz="3200" dirty="0">
+                <a:solidFill>
+                  <a:schemeClr val="bg1"/>
+                </a:solidFill>
+                <a:latin typeface="Noto Sans SC" panose="020B0200000000000000" pitchFamily="34" charset="-128"/>
+                <a:ea typeface="Noto Sans SC" panose="020B0200000000000000" pitchFamily="34" charset="-128"/>
+                <a:cs typeface="Arial" panose="020B0604020202020204" pitchFamily="34" charset="0"/>
+              </a:rPr>
+              <a:t>。</a:t>
+            </a:r>
+          </a:p>
+          <a:p>
+            <a:pPr indent="457200"/>
+            <a:endParaRPr lang="zh-CN" altLang="en-US" sz="3200" dirty="0">
+              <a:solidFill>
+                <a:schemeClr val="bg1"/>
+              </a:solidFill>
+              <a:latin typeface="Noto Sans SC" panose="020B0200000000000000" pitchFamily="34" charset="-128"/>
+              <a:ea typeface="Noto Sans SC" panose="020B0200000000000000" pitchFamily="34" charset="-128"/>
+              <a:cs typeface="Arial" panose="020B0604020202020204" pitchFamily="34" charset="0"/>
+            </a:endParaRPr>
+          </a:p>
+          <a:p>
+            <a:pPr indent="457200"/>
+            <a:r>
+              <a:rPr lang="zh-CN" altLang="en-US" sz="3200" dirty="0">
+                <a:solidFill>
+                  <a:schemeClr val="bg1"/>
+                </a:solidFill>
+                <a:latin typeface="Noto Sans SC" panose="020B0200000000000000" pitchFamily="34" charset="-128"/>
+                <a:ea typeface="Noto Sans SC" panose="020B0200000000000000" pitchFamily="34" charset="-128"/>
+                <a:cs typeface="Arial" panose="020B0604020202020204" pitchFamily="34" charset="0"/>
+              </a:rPr>
+              <a:t>如果您没有问题，请按</a:t>
+            </a:r>
+            <a:r>
+              <a:rPr lang="zh-CN" altLang="en-US" sz="3200" b="1" dirty="0">
+                <a:solidFill>
+                  <a:srgbClr val="FFC000"/>
+                </a:solidFill>
+                <a:latin typeface="Noto Sans SC" panose="020B0200000000000000" pitchFamily="34" charset="-128"/>
+                <a:ea typeface="Noto Sans SC" panose="020B0200000000000000" pitchFamily="34" charset="-128"/>
+                <a:cs typeface="Arial" panose="020B0604020202020204" pitchFamily="34" charset="0"/>
+              </a:rPr>
+              <a:t>右手边</a:t>
+            </a:r>
+            <a:r>
+              <a:rPr lang="zh-CN" altLang="en-US" sz="3200" dirty="0">
+                <a:solidFill>
+                  <a:schemeClr val="bg1"/>
+                </a:solidFill>
+                <a:latin typeface="Noto Sans SC" panose="020B0200000000000000" pitchFamily="34" charset="-128"/>
+                <a:ea typeface="Noto Sans SC" panose="020B0200000000000000" pitchFamily="34" charset="-128"/>
+                <a:cs typeface="Arial" panose="020B0604020202020204" pitchFamily="34" charset="0"/>
+              </a:rPr>
+              <a:t>的按键</a:t>
+            </a:r>
+            <a:r>
+              <a:rPr lang="zh-CN" altLang="en-US" sz="3200" b="1" dirty="0">
+                <a:solidFill>
+                  <a:srgbClr val="FFC000"/>
+                </a:solidFill>
+                <a:latin typeface="Noto Sans SC" panose="020B0200000000000000" pitchFamily="34" charset="-128"/>
+                <a:ea typeface="Noto Sans SC" panose="020B0200000000000000" pitchFamily="34" charset="-128"/>
+                <a:cs typeface="Arial" panose="020B0604020202020204" pitchFamily="34" charset="0"/>
+              </a:rPr>
+              <a:t>继续</a:t>
+            </a:r>
+            <a:r>
+              <a:rPr lang="zh-CN" altLang="en-US" sz="3200" dirty="0">
+                <a:solidFill>
+                  <a:schemeClr val="bg1"/>
+                </a:solidFill>
+                <a:latin typeface="Noto Sans SC" panose="020B0200000000000000" pitchFamily="34" charset="-128"/>
+                <a:ea typeface="Noto Sans SC" panose="020B0200000000000000" pitchFamily="34" charset="-128"/>
+                <a:cs typeface="Arial" panose="020B0604020202020204" pitchFamily="34" charset="0"/>
+              </a:rPr>
+              <a:t>。</a:t>
             </a:r>
           </a:p>
         </p:txBody>
@@ -4530,7 +5950,286 @@
     </p:spTree>
     <p:extLst>
       <p:ext uri="{BB962C8B-B14F-4D97-AF65-F5344CB8AC3E}">
-        <p14:creationId xmlns:p14="http://schemas.microsoft.com/office/powerpoint/2010/main" val="2737944394"/>
+        <p14:creationId xmlns:p14="http://schemas.microsoft.com/office/powerpoint/2010/main" val="4192716896"/>
+      </p:ext>
+    </p:extLst>
+  </p:cSld>
+  <p:clrMapOvr>
+    <a:masterClrMapping/>
+  </p:clrMapOvr>
+</p:sld>
+</file>
+
+<file path=ppt/slides/slide8.xml><?xml version="1.0" encoding="utf-8"?>
+<p:sld xmlns:a="http://schemas.openxmlformats.org/drawingml/2006/main" xmlns:r="http://schemas.openxmlformats.org/officeDocument/2006/relationships" xmlns:p="http://schemas.openxmlformats.org/presentationml/2006/main">
+  <p:cSld>
+    <p:spTree>
+      <p:nvGrpSpPr>
+        <p:cNvPr id="1" name=""/>
+        <p:cNvGrpSpPr/>
+        <p:nvPr/>
+      </p:nvGrpSpPr>
+      <p:grpSpPr>
+        <a:xfrm>
+          <a:off x="0" y="0"/>
+          <a:ext cx="0" cy="0"/>
+          <a:chOff x="0" y="0"/>
+          <a:chExt cx="0" cy="0"/>
+        </a:xfrm>
+      </p:grpSpPr>
+      <p:sp>
+        <p:nvSpPr>
+          <p:cNvPr id="3" name="矩形 2">
+            <a:extLst>
+              <a:ext uri="{FF2B5EF4-FFF2-40B4-BE49-F238E27FC236}">
+                <a16:creationId xmlns:a16="http://schemas.microsoft.com/office/drawing/2014/main" id="{A265B133-6E3A-7B1C-6A5F-919CF4476D26}"/>
+              </a:ext>
+            </a:extLst>
+          </p:cNvPr>
+          <p:cNvSpPr/>
+          <p:nvPr/>
+        </p:nvSpPr>
+        <p:spPr>
+          <a:xfrm>
+            <a:off x="403943" y="558761"/>
+            <a:ext cx="1826141" cy="940579"/>
+          </a:xfrm>
+          <a:prstGeom prst="rect">
+            <a:avLst/>
+          </a:prstGeom>
+        </p:spPr>
+        <p:txBody>
+          <a:bodyPr wrap="none">
+            <a:spAutoFit/>
+          </a:bodyPr>
+          <a:lstStyle/>
+          <a:p>
+            <a:pPr algn="just">
+              <a:lnSpc>
+                <a:spcPct val="200000"/>
+              </a:lnSpc>
+            </a:pPr>
+            <a:r>
+              <a:rPr kumimoji="1" lang="zh-CN" altLang="en-US" sz="3200" dirty="0">
+                <a:solidFill>
+                  <a:schemeClr val="bg1"/>
+                </a:solidFill>
+                <a:latin typeface="Noto Sans SC" panose="020B0200000000000000" pitchFamily="34" charset="-128"/>
+                <a:ea typeface="Noto Sans SC" panose="020B0200000000000000" pitchFamily="34" charset="-128"/>
+              </a:rPr>
+              <a:t>想一想：</a:t>
+            </a:r>
+            <a:endParaRPr kumimoji="1" lang="en-US" altLang="zh-CN" sz="3200" dirty="0">
+              <a:solidFill>
+                <a:schemeClr val="bg1"/>
+              </a:solidFill>
+              <a:latin typeface="Noto Sans SC" panose="020B0200000000000000" pitchFamily="34" charset="-128"/>
+              <a:ea typeface="Noto Sans SC" panose="020B0200000000000000" pitchFamily="34" charset="-128"/>
+            </a:endParaRPr>
+          </a:p>
+        </p:txBody>
+      </p:sp>
+      <p:sp>
+        <p:nvSpPr>
+          <p:cNvPr id="4" name="文本框 3">
+            <a:extLst>
+              <a:ext uri="{FF2B5EF4-FFF2-40B4-BE49-F238E27FC236}">
+                <a16:creationId xmlns:a16="http://schemas.microsoft.com/office/drawing/2014/main" id="{577431D3-3636-AA3C-F89C-521B3D44C723}"/>
+              </a:ext>
+            </a:extLst>
+          </p:cNvPr>
+          <p:cNvSpPr txBox="1"/>
+          <p:nvPr/>
+        </p:nvSpPr>
+        <p:spPr>
+          <a:xfrm>
+            <a:off x="588818" y="2351685"/>
+            <a:ext cx="8233064" cy="2141548"/>
+          </a:xfrm>
+          <a:prstGeom prst="rect">
+            <a:avLst/>
+          </a:prstGeom>
+          <a:noFill/>
+        </p:spPr>
+        <p:txBody>
+          <a:bodyPr wrap="square" rtlCol="0">
+            <a:spAutoFit/>
+          </a:bodyPr>
+          <a:lstStyle/>
+          <a:p>
+            <a:pPr>
+              <a:lnSpc>
+                <a:spcPct val="200000"/>
+              </a:lnSpc>
+            </a:pPr>
+            <a:r>
+              <a:rPr kumimoji="1" lang="zh-CN" altLang="en-US" sz="3600" dirty="0">
+                <a:solidFill>
+                  <a:schemeClr val="bg1"/>
+                </a:solidFill>
+                <a:latin typeface="Noto Sans SC" panose="020B0200000000000000" pitchFamily="34" charset="-128"/>
+                <a:ea typeface="Noto Sans SC" panose="020B0200000000000000" pitchFamily="34" charset="-128"/>
+              </a:rPr>
+              <a:t>分析一下你的哪些性格特点使得你在刚才的那些负面回忆中感到如此的不开心</a:t>
+            </a:r>
+            <a:r>
+              <a:rPr kumimoji="1" lang="en-US" altLang="zh-CN" sz="3600" dirty="0">
+                <a:solidFill>
+                  <a:schemeClr val="bg1"/>
+                </a:solidFill>
+                <a:latin typeface="Noto Sans SC" panose="020B0200000000000000" pitchFamily="34" charset="-128"/>
+                <a:ea typeface="Noto Sans SC" panose="020B0200000000000000" pitchFamily="34" charset="-128"/>
+              </a:rPr>
+              <a:t>?</a:t>
+            </a:r>
+            <a:endParaRPr kumimoji="1" lang="zh-CN" altLang="en-US" sz="3600" dirty="0">
+              <a:solidFill>
+                <a:schemeClr val="bg1"/>
+              </a:solidFill>
+              <a:latin typeface="Noto Sans SC" panose="020B0200000000000000" pitchFamily="34" charset="-128"/>
+              <a:ea typeface="Noto Sans SC" panose="020B0200000000000000" pitchFamily="34" charset="-128"/>
+            </a:endParaRPr>
+          </a:p>
+        </p:txBody>
+      </p:sp>
+    </p:spTree>
+    <p:extLst>
+      <p:ext uri="{BB962C8B-B14F-4D97-AF65-F5344CB8AC3E}">
+        <p14:creationId xmlns:p14="http://schemas.microsoft.com/office/powerpoint/2010/main" val="2120383374"/>
+      </p:ext>
+    </p:extLst>
+  </p:cSld>
+  <p:clrMapOvr>
+    <a:masterClrMapping/>
+  </p:clrMapOvr>
+</p:sld>
+</file>
+
+<file path=ppt/slides/slide9.xml><?xml version="1.0" encoding="utf-8"?>
+<p:sld xmlns:a="http://schemas.openxmlformats.org/drawingml/2006/main" xmlns:r="http://schemas.openxmlformats.org/officeDocument/2006/relationships" xmlns:p="http://schemas.openxmlformats.org/presentationml/2006/main">
+  <p:cSld>
+    <p:spTree>
+      <p:nvGrpSpPr>
+        <p:cNvPr id="1" name="">
+          <a:extLst>
+            <a:ext uri="{FF2B5EF4-FFF2-40B4-BE49-F238E27FC236}">
+              <a16:creationId xmlns:a16="http://schemas.microsoft.com/office/drawing/2014/main" id="{B9DE5174-A163-55F8-2377-C0EC644CD48F}"/>
+            </a:ext>
+          </a:extLst>
+        </p:cNvPr>
+        <p:cNvGrpSpPr/>
+        <p:nvPr/>
+      </p:nvGrpSpPr>
+      <p:grpSpPr>
+        <a:xfrm>
+          <a:off x="0" y="0"/>
+          <a:ext cx="0" cy="0"/>
+          <a:chOff x="0" y="0"/>
+          <a:chExt cx="0" cy="0"/>
+        </a:xfrm>
+      </p:grpSpPr>
+      <p:sp>
+        <p:nvSpPr>
+          <p:cNvPr id="3" name="矩形 2">
+            <a:extLst>
+              <a:ext uri="{FF2B5EF4-FFF2-40B4-BE49-F238E27FC236}">
+                <a16:creationId xmlns:a16="http://schemas.microsoft.com/office/drawing/2014/main" id="{6E2CAFD9-97B5-EC89-96BC-1505F2A43801}"/>
+              </a:ext>
+            </a:extLst>
+          </p:cNvPr>
+          <p:cNvSpPr/>
+          <p:nvPr/>
+        </p:nvSpPr>
+        <p:spPr>
+          <a:xfrm>
+            <a:off x="403943" y="558761"/>
+            <a:ext cx="1826141" cy="940579"/>
+          </a:xfrm>
+          <a:prstGeom prst="rect">
+            <a:avLst/>
+          </a:prstGeom>
+        </p:spPr>
+        <p:txBody>
+          <a:bodyPr wrap="none">
+            <a:spAutoFit/>
+          </a:bodyPr>
+          <a:lstStyle/>
+          <a:p>
+            <a:pPr algn="just">
+              <a:lnSpc>
+                <a:spcPct val="200000"/>
+              </a:lnSpc>
+            </a:pPr>
+            <a:r>
+              <a:rPr kumimoji="1" lang="zh-CN" altLang="en-US" sz="3200" dirty="0">
+                <a:solidFill>
+                  <a:schemeClr val="bg1"/>
+                </a:solidFill>
+                <a:latin typeface="Noto Sans SC" panose="020B0200000000000000" pitchFamily="34" charset="-128"/>
+                <a:ea typeface="Noto Sans SC" panose="020B0200000000000000" pitchFamily="34" charset="-128"/>
+              </a:rPr>
+              <a:t>想一想：</a:t>
+            </a:r>
+            <a:endParaRPr kumimoji="1" lang="en-US" altLang="zh-CN" sz="3200" dirty="0">
+              <a:solidFill>
+                <a:schemeClr val="bg1"/>
+              </a:solidFill>
+              <a:latin typeface="Noto Sans SC" panose="020B0200000000000000" pitchFamily="34" charset="-128"/>
+              <a:ea typeface="Noto Sans SC" panose="020B0200000000000000" pitchFamily="34" charset="-128"/>
+            </a:endParaRPr>
+          </a:p>
+        </p:txBody>
+      </p:sp>
+      <p:sp>
+        <p:nvSpPr>
+          <p:cNvPr id="4" name="文本框 3">
+            <a:extLst>
+              <a:ext uri="{FF2B5EF4-FFF2-40B4-BE49-F238E27FC236}">
+                <a16:creationId xmlns:a16="http://schemas.microsoft.com/office/drawing/2014/main" id="{6F13879E-A235-7BA4-21A1-E6E51274B7C7}"/>
+              </a:ext>
+            </a:extLst>
+          </p:cNvPr>
+          <p:cNvSpPr txBox="1"/>
+          <p:nvPr/>
+        </p:nvSpPr>
+        <p:spPr>
+          <a:xfrm>
+            <a:off x="599575" y="1996684"/>
+            <a:ext cx="8233064" cy="3249544"/>
+          </a:xfrm>
+          <a:prstGeom prst="rect">
+            <a:avLst/>
+          </a:prstGeom>
+          <a:noFill/>
+        </p:spPr>
+        <p:txBody>
+          <a:bodyPr wrap="square" rtlCol="0">
+            <a:spAutoFit/>
+          </a:bodyPr>
+          <a:lstStyle/>
+          <a:p>
+            <a:pPr>
+              <a:lnSpc>
+                <a:spcPct val="200000"/>
+              </a:lnSpc>
+            </a:pPr>
+            <a:r>
+              <a:rPr kumimoji="1" lang="zh-CN" altLang="en-US" sz="3600" dirty="0">
+                <a:solidFill>
+                  <a:schemeClr val="bg1"/>
+                </a:solidFill>
+                <a:latin typeface="Noto Sans SC" panose="020B0200000000000000" pitchFamily="34" charset="-128"/>
+                <a:ea typeface="Noto Sans SC" panose="020B0200000000000000" pitchFamily="34" charset="-128"/>
+              </a:rPr>
+              <a:t>刚才的那些负面回忆反映出你是怎样的一个人？你和别人之间有哪些相同点和不同点？</a:t>
+            </a:r>
+          </a:p>
+        </p:txBody>
+      </p:sp>
+    </p:spTree>
+    <p:extLst>
+      <p:ext uri="{BB962C8B-B14F-4D97-AF65-F5344CB8AC3E}">
+        <p14:creationId xmlns:p14="http://schemas.microsoft.com/office/powerpoint/2010/main" val="2169925461"/>
       </p:ext>
     </p:extLst>
   </p:cSld>
